--- a/class_5_1/class_5_1.pptx
+++ b/class_5_1/class_5_1.pptx
@@ -5,10 +5,40 @@
     <p:sldMasterId id="2147483648" r:id="rId1"/>
   </p:sldMasterIdLst>
   <p:notesMasterIdLst>
-    <p:notesMasterId r:id="rId3"/>
+    <p:notesMasterId r:id="rId33"/>
   </p:notesMasterIdLst>
   <p:sldIdLst>
-    <p:sldId id="256" r:id="rId2"/>
+    <p:sldId id="319" r:id="rId2"/>
+    <p:sldId id="256" r:id="rId3"/>
+    <p:sldId id="320" r:id="rId4"/>
+    <p:sldId id="321" r:id="rId5"/>
+    <p:sldId id="262" r:id="rId6"/>
+    <p:sldId id="264" r:id="rId7"/>
+    <p:sldId id="259" r:id="rId8"/>
+    <p:sldId id="269" r:id="rId9"/>
+    <p:sldId id="278" r:id="rId10"/>
+    <p:sldId id="279" r:id="rId11"/>
+    <p:sldId id="258" r:id="rId12"/>
+    <p:sldId id="322" r:id="rId13"/>
+    <p:sldId id="323" r:id="rId14"/>
+    <p:sldId id="324" r:id="rId15"/>
+    <p:sldId id="325" r:id="rId16"/>
+    <p:sldId id="266" r:id="rId17"/>
+    <p:sldId id="265" r:id="rId18"/>
+    <p:sldId id="326" r:id="rId19"/>
+    <p:sldId id="327" r:id="rId20"/>
+    <p:sldId id="286" r:id="rId21"/>
+    <p:sldId id="287" r:id="rId22"/>
+    <p:sldId id="288" r:id="rId23"/>
+    <p:sldId id="270" r:id="rId24"/>
+    <p:sldId id="271" r:id="rId25"/>
+    <p:sldId id="272" r:id="rId26"/>
+    <p:sldId id="289" r:id="rId27"/>
+    <p:sldId id="290" r:id="rId28"/>
+    <p:sldId id="291" r:id="rId29"/>
+    <p:sldId id="292" r:id="rId30"/>
+    <p:sldId id="274" r:id="rId31"/>
+    <p:sldId id="293" r:id="rId32"/>
   </p:sldIdLst>
   <p:sldSz cx="12192000" cy="6858000"/>
   <p:notesSz cx="6858000" cy="9144000"/>
@@ -197,7 +227,7 @@
           <a:p>
             <a:fld id="{8E5940E0-E864-DF4A-BD26-2C2246AC4E05}" type="datetimeFigureOut">
               <a:rPr lang="en-US" smtClean="0"/>
-              <a:t>6/3/20</a:t>
+              <a:t>6/29/20</a:t>
             </a:fld>
             <a:endParaRPr lang="en-US"/>
           </a:p>
@@ -529,7 +559,7 @@
           <a:p>
             <a:fld id="{F91D480C-B22B-9744-AC27-082F71E496D4}" type="slidenum">
               <a:rPr lang="en-US" smtClean="0"/>
-              <a:t>1</a:t>
+              <a:t>2</a:t>
             </a:fld>
             <a:endParaRPr lang="en-US"/>
           </a:p>
@@ -695,7 +725,7 @@
           <a:p>
             <a:fld id="{B4805629-43F6-3C4F-A3A1-18FEAB524198}" type="datetimeFigureOut">
               <a:rPr lang="en-US" smtClean="0"/>
-              <a:t>6/3/20</a:t>
+              <a:t>6/29/20</a:t>
             </a:fld>
             <a:endParaRPr lang="en-US"/>
           </a:p>
@@ -893,7 +923,7 @@
           <a:p>
             <a:fld id="{B4805629-43F6-3C4F-A3A1-18FEAB524198}" type="datetimeFigureOut">
               <a:rPr lang="en-US" smtClean="0"/>
-              <a:t>6/3/20</a:t>
+              <a:t>6/29/20</a:t>
             </a:fld>
             <a:endParaRPr lang="en-US"/>
           </a:p>
@@ -1101,7 +1131,7 @@
           <a:p>
             <a:fld id="{B4805629-43F6-3C4F-A3A1-18FEAB524198}" type="datetimeFigureOut">
               <a:rPr lang="en-US" smtClean="0"/>
-              <a:t>6/3/20</a:t>
+              <a:t>6/29/20</a:t>
             </a:fld>
             <a:endParaRPr lang="en-US"/>
           </a:p>
@@ -1299,7 +1329,7 @@
           <a:p>
             <a:fld id="{B4805629-43F6-3C4F-A3A1-18FEAB524198}" type="datetimeFigureOut">
               <a:rPr lang="en-US" smtClean="0"/>
-              <a:t>6/3/20</a:t>
+              <a:t>6/29/20</a:t>
             </a:fld>
             <a:endParaRPr lang="en-US"/>
           </a:p>
@@ -1574,7 +1604,7 @@
           <a:p>
             <a:fld id="{B4805629-43F6-3C4F-A3A1-18FEAB524198}" type="datetimeFigureOut">
               <a:rPr lang="en-US" smtClean="0"/>
-              <a:t>6/3/20</a:t>
+              <a:t>6/29/20</a:t>
             </a:fld>
             <a:endParaRPr lang="en-US"/>
           </a:p>
@@ -1839,7 +1869,7 @@
           <a:p>
             <a:fld id="{B4805629-43F6-3C4F-A3A1-18FEAB524198}" type="datetimeFigureOut">
               <a:rPr lang="en-US" smtClean="0"/>
-              <a:t>6/3/20</a:t>
+              <a:t>6/29/20</a:t>
             </a:fld>
             <a:endParaRPr lang="en-US"/>
           </a:p>
@@ -2251,7 +2281,7 @@
           <a:p>
             <a:fld id="{B4805629-43F6-3C4F-A3A1-18FEAB524198}" type="datetimeFigureOut">
               <a:rPr lang="en-US" smtClean="0"/>
-              <a:t>6/3/20</a:t>
+              <a:t>6/29/20</a:t>
             </a:fld>
             <a:endParaRPr lang="en-US"/>
           </a:p>
@@ -2392,7 +2422,7 @@
           <a:p>
             <a:fld id="{B4805629-43F6-3C4F-A3A1-18FEAB524198}" type="datetimeFigureOut">
               <a:rPr lang="en-US" smtClean="0"/>
-              <a:t>6/3/20</a:t>
+              <a:t>6/29/20</a:t>
             </a:fld>
             <a:endParaRPr lang="en-US"/>
           </a:p>
@@ -2505,7 +2535,7 @@
           <a:p>
             <a:fld id="{B4805629-43F6-3C4F-A3A1-18FEAB524198}" type="datetimeFigureOut">
               <a:rPr lang="en-US" smtClean="0"/>
-              <a:t>6/3/20</a:t>
+              <a:t>6/29/20</a:t>
             </a:fld>
             <a:endParaRPr lang="en-US"/>
           </a:p>
@@ -2816,7 +2846,7 @@
           <a:p>
             <a:fld id="{B4805629-43F6-3C4F-A3A1-18FEAB524198}" type="datetimeFigureOut">
               <a:rPr lang="en-US" smtClean="0"/>
-              <a:t>6/3/20</a:t>
+              <a:t>6/29/20</a:t>
             </a:fld>
             <a:endParaRPr lang="en-US"/>
           </a:p>
@@ -3104,7 +3134,7 @@
           <a:p>
             <a:fld id="{B4805629-43F6-3C4F-A3A1-18FEAB524198}" type="datetimeFigureOut">
               <a:rPr lang="en-US" smtClean="0"/>
-              <a:t>6/3/20</a:t>
+              <a:t>6/29/20</a:t>
             </a:fld>
             <a:endParaRPr lang="en-US"/>
           </a:p>
@@ -3345,7 +3375,7 @@
           <a:p>
             <a:fld id="{B4805629-43F6-3C4F-A3A1-18FEAB524198}" type="datetimeFigureOut">
               <a:rPr lang="en-US" smtClean="0"/>
-              <a:t>6/3/20</a:t>
+              <a:t>6/29/20</a:t>
             </a:fld>
             <a:endParaRPr lang="en-US"/>
           </a:p>
@@ -3767,6 +3797,1473 @@
           <p:cNvPr id="2" name="Title 1">
             <a:extLst>
               <a:ext uri="{FF2B5EF4-FFF2-40B4-BE49-F238E27FC236}">
+                <a16:creationId xmlns:a16="http://schemas.microsoft.com/office/drawing/2014/main" id="{CBCC2D99-A2BA-C743-9C28-3F8F66D71203}"/>
+              </a:ext>
+            </a:extLst>
+          </p:cNvPr>
+          <p:cNvSpPr>
+            <a:spLocks noGrp="1"/>
+          </p:cNvSpPr>
+          <p:nvPr>
+            <p:ph type="title"/>
+          </p:nvPr>
+        </p:nvSpPr>
+        <p:spPr>
+          <a:xfrm>
+            <a:off x="2383221" y="2103437"/>
+            <a:ext cx="10515600" cy="1325563"/>
+          </a:xfrm>
+        </p:spPr>
+        <p:txBody>
+          <a:bodyPr/>
+          <a:lstStyle/>
+          <a:p>
+            <a:r>
+              <a:rPr lang="en-US" dirty="0"/>
+              <a:t>Access the slides and files here: </a:t>
+            </a:r>
+            <a:br>
+              <a:rPr lang="en-US" dirty="0"/>
+            </a:br>
+            <a:r>
+              <a:rPr lang="en-US" dirty="0"/>
+              <a:t>	</a:t>
+            </a:r>
+          </a:p>
+        </p:txBody>
+      </p:sp>
+      <p:sp>
+        <p:nvSpPr>
+          <p:cNvPr id="4" name="Rectangle 3">
+            <a:extLst>
+              <a:ext uri="{FF2B5EF4-FFF2-40B4-BE49-F238E27FC236}">
+                <a16:creationId xmlns:a16="http://schemas.microsoft.com/office/drawing/2014/main" id="{6B53121B-F976-974C-8963-03F6AF4F9F81}"/>
+              </a:ext>
+            </a:extLst>
+          </p:cNvPr>
+          <p:cNvSpPr/>
+          <p:nvPr/>
+        </p:nvSpPr>
+        <p:spPr>
+          <a:xfrm>
+            <a:off x="1316390" y="3038855"/>
+            <a:ext cx="8961749" cy="584775"/>
+          </a:xfrm>
+          <a:prstGeom prst="rect">
+            <a:avLst/>
+          </a:prstGeom>
+        </p:spPr>
+        <p:txBody>
+          <a:bodyPr wrap="none">
+            <a:spAutoFit/>
+          </a:bodyPr>
+          <a:lstStyle/>
+          <a:p>
+            <a:r>
+              <a:rPr lang="en-US" sz="3200" dirty="0">
+                <a:hlinkClick r:id="rId2"/>
+              </a:rPr>
+              <a:t>https://github.com/j-berg/bioinformatics_bootcamp</a:t>
+            </a:r>
+            <a:endParaRPr lang="en-US" sz="3200" dirty="0"/>
+          </a:p>
+        </p:txBody>
+      </p:sp>
+    </p:spTree>
+    <p:extLst>
+      <p:ext uri="{BB962C8B-B14F-4D97-AF65-F5344CB8AC3E}">
+        <p14:creationId xmlns:p14="http://schemas.microsoft.com/office/powerpoint/2010/main" val="1206125195"/>
+      </p:ext>
+    </p:extLst>
+  </p:cSld>
+  <p:clrMapOvr>
+    <a:masterClrMapping/>
+  </p:clrMapOvr>
+</p:sld>
+</file>
+
+<file path=ppt/slides/slide10.xml><?xml version="1.0" encoding="utf-8"?>
+<p:sld xmlns:a="http://schemas.openxmlformats.org/drawingml/2006/main" xmlns:r="http://schemas.openxmlformats.org/officeDocument/2006/relationships" xmlns:p="http://schemas.openxmlformats.org/presentationml/2006/main">
+  <p:cSld>
+    <p:spTree>
+      <p:nvGrpSpPr>
+        <p:cNvPr id="1" name=""/>
+        <p:cNvGrpSpPr/>
+        <p:nvPr/>
+      </p:nvGrpSpPr>
+      <p:grpSpPr>
+        <a:xfrm>
+          <a:off x="0" y="0"/>
+          <a:ext cx="0" cy="0"/>
+          <a:chOff x="0" y="0"/>
+          <a:chExt cx="0" cy="0"/>
+        </a:xfrm>
+      </p:grpSpPr>
+      <p:sp>
+        <p:nvSpPr>
+          <p:cNvPr id="2" name="Title 1">
+            <a:extLst>
+              <a:ext uri="{FF2B5EF4-FFF2-40B4-BE49-F238E27FC236}">
+                <a16:creationId xmlns:a16="http://schemas.microsoft.com/office/drawing/2014/main" id="{445A36B9-20E4-B746-A77D-B899DE3FF346}"/>
+              </a:ext>
+            </a:extLst>
+          </p:cNvPr>
+          <p:cNvSpPr>
+            <a:spLocks noGrp="1"/>
+          </p:cNvSpPr>
+          <p:nvPr>
+            <p:ph type="title"/>
+          </p:nvPr>
+        </p:nvSpPr>
+        <p:spPr/>
+        <p:txBody>
+          <a:bodyPr/>
+          <a:lstStyle/>
+          <a:p>
+            <a:r>
+              <a:rPr lang="en-US" dirty="0"/>
+              <a:t>Dictionaries (or hashes)</a:t>
+            </a:r>
+          </a:p>
+        </p:txBody>
+      </p:sp>
+      <p:sp>
+        <p:nvSpPr>
+          <p:cNvPr id="3" name="Content Placeholder 2">
+            <a:extLst>
+              <a:ext uri="{FF2B5EF4-FFF2-40B4-BE49-F238E27FC236}">
+                <a16:creationId xmlns:a16="http://schemas.microsoft.com/office/drawing/2014/main" id="{0BBCEDF6-5DBB-184B-868B-79F0C928EF0A}"/>
+              </a:ext>
+            </a:extLst>
+          </p:cNvPr>
+          <p:cNvSpPr>
+            <a:spLocks noGrp="1"/>
+          </p:cNvSpPr>
+          <p:nvPr>
+            <p:ph idx="1"/>
+          </p:nvPr>
+        </p:nvSpPr>
+        <p:spPr/>
+        <p:txBody>
+          <a:bodyPr/>
+          <a:lstStyle/>
+          <a:p>
+            <a:pPr marL="0" indent="0">
+              <a:buNone/>
+            </a:pPr>
+            <a:r>
+              <a:rPr lang="en-US" dirty="0">
+                <a:latin typeface="Consolas" panose="020B0609020204030204" pitchFamily="49" charset="0"/>
+                <a:cs typeface="Consolas" panose="020B0609020204030204" pitchFamily="49" charset="0"/>
+              </a:rPr>
+              <a:t>&gt; library(hash)</a:t>
+            </a:r>
+          </a:p>
+          <a:p>
+            <a:pPr marL="0" indent="0">
+              <a:buNone/>
+            </a:pPr>
+            <a:r>
+              <a:rPr lang="en-US" dirty="0">
+                <a:latin typeface="Consolas" panose="020B0609020204030204" pitchFamily="49" charset="0"/>
+                <a:cs typeface="Consolas" panose="020B0609020204030204" pitchFamily="49" charset="0"/>
+              </a:rPr>
+              <a:t>&gt; h &lt;- hash()</a:t>
+            </a:r>
+          </a:p>
+          <a:p>
+            <a:pPr marL="0" indent="0">
+              <a:buNone/>
+            </a:pPr>
+            <a:r>
+              <a:rPr lang="en-US" dirty="0">
+                <a:latin typeface="Consolas" panose="020B0609020204030204" pitchFamily="49" charset="0"/>
+                <a:cs typeface="Consolas" panose="020B0609020204030204" pitchFamily="49" charset="0"/>
+              </a:rPr>
+              <a:t>&gt; h[[“a”]] &lt;- “Hello”</a:t>
+            </a:r>
+          </a:p>
+          <a:p>
+            <a:pPr marL="0" indent="0">
+              <a:buNone/>
+            </a:pPr>
+            <a:r>
+              <a:rPr lang="en-US" dirty="0">
+                <a:latin typeface="Consolas" panose="020B0609020204030204" pitchFamily="49" charset="0"/>
+                <a:cs typeface="Consolas" panose="020B0609020204030204" pitchFamily="49" charset="0"/>
+              </a:rPr>
+              <a:t>&gt; h[[“b”]] &lt;- “world!”</a:t>
+            </a:r>
+          </a:p>
+          <a:p>
+            <a:pPr marL="0" indent="0">
+              <a:buNone/>
+            </a:pPr>
+            <a:r>
+              <a:rPr lang="en-US" dirty="0">
+                <a:latin typeface="Consolas" panose="020B0609020204030204" pitchFamily="49" charset="0"/>
+                <a:cs typeface="Consolas" panose="020B0609020204030204" pitchFamily="49" charset="0"/>
+              </a:rPr>
+              <a:t>&gt; h</a:t>
+            </a:r>
+          </a:p>
+          <a:p>
+            <a:pPr marL="0" indent="0">
+              <a:buNone/>
+            </a:pPr>
+            <a:r>
+              <a:rPr lang="en-US" dirty="0">
+                <a:latin typeface="Consolas" panose="020B0609020204030204" pitchFamily="49" charset="0"/>
+                <a:cs typeface="Consolas" panose="020B0609020204030204" pitchFamily="49" charset="0"/>
+              </a:rPr>
+              <a:t>&gt; h[[“a”]] </a:t>
+            </a:r>
+          </a:p>
+          <a:p>
+            <a:pPr marL="0" indent="0">
+              <a:buNone/>
+            </a:pPr>
+            <a:r>
+              <a:rPr lang="en-US" dirty="0">
+                <a:latin typeface="Consolas" panose="020B0609020204030204" pitchFamily="49" charset="0"/>
+                <a:cs typeface="Consolas" panose="020B0609020204030204" pitchFamily="49" charset="0"/>
+              </a:rPr>
+              <a:t>&gt; h[[“a”]] &lt;- “Goodbye”</a:t>
+            </a:r>
+          </a:p>
+          <a:p>
+            <a:pPr marL="0" indent="0">
+              <a:buNone/>
+            </a:pPr>
+            <a:r>
+              <a:rPr lang="en-US" dirty="0">
+                <a:latin typeface="Consolas" panose="020B0609020204030204" pitchFamily="49" charset="0"/>
+                <a:cs typeface="Consolas" panose="020B0609020204030204" pitchFamily="49" charset="0"/>
+              </a:rPr>
+              <a:t>&gt; h</a:t>
+            </a:r>
+          </a:p>
+          <a:p>
+            <a:pPr marL="0" indent="0">
+              <a:buNone/>
+            </a:pPr>
+            <a:endParaRPr lang="en-US" dirty="0">
+              <a:latin typeface="Consolas" panose="020B0609020204030204" pitchFamily="49" charset="0"/>
+              <a:cs typeface="Consolas" panose="020B0609020204030204" pitchFamily="49" charset="0"/>
+            </a:endParaRPr>
+          </a:p>
+          <a:p>
+            <a:pPr>
+              <a:buFont typeface="Wingdings" pitchFamily="2" charset="2"/>
+              <a:buChar char="Ø"/>
+            </a:pPr>
+            <a:endParaRPr lang="en-US" dirty="0"/>
+          </a:p>
+        </p:txBody>
+      </p:sp>
+    </p:spTree>
+    <p:extLst>
+      <p:ext uri="{BB962C8B-B14F-4D97-AF65-F5344CB8AC3E}">
+        <p14:creationId xmlns:p14="http://schemas.microsoft.com/office/powerpoint/2010/main" val="1101323912"/>
+      </p:ext>
+    </p:extLst>
+  </p:cSld>
+  <p:clrMapOvr>
+    <a:masterClrMapping/>
+  </p:clrMapOvr>
+</p:sld>
+</file>
+
+<file path=ppt/slides/slide11.xml><?xml version="1.0" encoding="utf-8"?>
+<p:sld xmlns:a="http://schemas.openxmlformats.org/drawingml/2006/main" xmlns:r="http://schemas.openxmlformats.org/officeDocument/2006/relationships" xmlns:p="http://schemas.openxmlformats.org/presentationml/2006/main">
+  <p:cSld>
+    <p:spTree>
+      <p:nvGrpSpPr>
+        <p:cNvPr id="1" name=""/>
+        <p:cNvGrpSpPr/>
+        <p:nvPr/>
+      </p:nvGrpSpPr>
+      <p:grpSpPr>
+        <a:xfrm>
+          <a:off x="0" y="0"/>
+          <a:ext cx="0" cy="0"/>
+          <a:chOff x="0" y="0"/>
+          <a:chExt cx="0" cy="0"/>
+        </a:xfrm>
+      </p:grpSpPr>
+      <p:sp>
+        <p:nvSpPr>
+          <p:cNvPr id="2" name="Title 1">
+            <a:extLst>
+              <a:ext uri="{FF2B5EF4-FFF2-40B4-BE49-F238E27FC236}">
+                <a16:creationId xmlns:a16="http://schemas.microsoft.com/office/drawing/2014/main" id="{E0F2B453-2E6C-DB4A-9D2A-C3188800F1D4}"/>
+              </a:ext>
+            </a:extLst>
+          </p:cNvPr>
+          <p:cNvSpPr>
+            <a:spLocks noGrp="1"/>
+          </p:cNvSpPr>
+          <p:nvPr>
+            <p:ph type="title"/>
+          </p:nvPr>
+        </p:nvSpPr>
+        <p:spPr/>
+        <p:txBody>
+          <a:bodyPr/>
+          <a:lstStyle/>
+          <a:p>
+            <a:r>
+              <a:rPr lang="en-US" dirty="0"/>
+              <a:t>Libraries</a:t>
+            </a:r>
+          </a:p>
+        </p:txBody>
+      </p:sp>
+      <p:sp>
+        <p:nvSpPr>
+          <p:cNvPr id="3" name="Content Placeholder 2">
+            <a:extLst>
+              <a:ext uri="{FF2B5EF4-FFF2-40B4-BE49-F238E27FC236}">
+                <a16:creationId xmlns:a16="http://schemas.microsoft.com/office/drawing/2014/main" id="{BFF0796C-6604-DB44-9874-F31A54237A6E}"/>
+              </a:ext>
+            </a:extLst>
+          </p:cNvPr>
+          <p:cNvSpPr>
+            <a:spLocks noGrp="1"/>
+          </p:cNvSpPr>
+          <p:nvPr>
+            <p:ph idx="1"/>
+          </p:nvPr>
+        </p:nvSpPr>
+        <p:spPr/>
+        <p:txBody>
+          <a:bodyPr>
+            <a:normAutofit fontScale="92500" lnSpcReduction="10000"/>
+          </a:bodyPr>
+          <a:lstStyle/>
+          <a:p>
+            <a:r>
+              <a:rPr lang="en-US" dirty="0"/>
+              <a:t>A collection of functions</a:t>
+            </a:r>
+          </a:p>
+          <a:p>
+            <a:pPr lvl="1"/>
+            <a:r>
+              <a:rPr lang="en-US" dirty="0"/>
+              <a:t>External </a:t>
+            </a:r>
+          </a:p>
+          <a:p>
+            <a:pPr lvl="1"/>
+            <a:r>
+              <a:rPr lang="en-US" dirty="0"/>
+              <a:t>Internal (we’ll talk about this later)</a:t>
+            </a:r>
+          </a:p>
+          <a:p>
+            <a:endParaRPr lang="en-US" dirty="0"/>
+          </a:p>
+          <a:p>
+            <a:r>
+              <a:rPr lang="en-US" dirty="0"/>
+              <a:t>Download as follows:</a:t>
+            </a:r>
+          </a:p>
+          <a:p>
+            <a:pPr lvl="1"/>
+            <a:r>
+              <a:rPr lang="en-US" dirty="0"/>
+              <a:t>Basic packages:</a:t>
+            </a:r>
+          </a:p>
+          <a:p>
+            <a:pPr lvl="2"/>
+            <a:r>
+              <a:rPr lang="en-US" dirty="0"/>
+              <a:t>Tools -&gt; Packages -&gt; enter package name and install</a:t>
+            </a:r>
+          </a:p>
+          <a:p>
+            <a:pPr lvl="2"/>
+            <a:r>
+              <a:rPr lang="en-US" dirty="0"/>
+              <a:t>Download “</a:t>
+            </a:r>
+            <a:r>
+              <a:rPr lang="en-US" dirty="0" err="1"/>
+              <a:t>data.table</a:t>
+            </a:r>
+            <a:r>
+              <a:rPr lang="en-US" dirty="0"/>
+              <a:t>”</a:t>
+            </a:r>
+          </a:p>
+          <a:p>
+            <a:pPr lvl="1"/>
+            <a:r>
+              <a:rPr lang="en-US" dirty="0"/>
+              <a:t>Bioinformatics packages</a:t>
+            </a:r>
+          </a:p>
+          <a:p>
+            <a:pPr lvl="2"/>
+            <a:r>
+              <a:rPr lang="en-US" dirty="0"/>
+              <a:t>Google “download DESeq2” and click on the Bioconductor link</a:t>
+            </a:r>
+          </a:p>
+          <a:p>
+            <a:pPr lvl="2"/>
+            <a:r>
+              <a:rPr lang="en-US" dirty="0"/>
+              <a:t>Run the installation code block</a:t>
+            </a:r>
+          </a:p>
+          <a:p>
+            <a:pPr lvl="1"/>
+            <a:r>
+              <a:rPr lang="en-US" dirty="0"/>
+              <a:t>If it asks you whether you want to update all/some/none, “none” is usually okay</a:t>
+            </a:r>
+          </a:p>
+        </p:txBody>
+      </p:sp>
+    </p:spTree>
+    <p:extLst>
+      <p:ext uri="{BB962C8B-B14F-4D97-AF65-F5344CB8AC3E}">
+        <p14:creationId xmlns:p14="http://schemas.microsoft.com/office/powerpoint/2010/main" val="502365367"/>
+      </p:ext>
+    </p:extLst>
+  </p:cSld>
+  <p:clrMapOvr>
+    <a:masterClrMapping/>
+  </p:clrMapOvr>
+</p:sld>
+</file>
+
+<file path=ppt/slides/slide12.xml><?xml version="1.0" encoding="utf-8"?>
+<p:sld xmlns:a="http://schemas.openxmlformats.org/drawingml/2006/main" xmlns:r="http://schemas.openxmlformats.org/officeDocument/2006/relationships" xmlns:p="http://schemas.openxmlformats.org/presentationml/2006/main">
+  <p:cSld>
+    <p:spTree>
+      <p:nvGrpSpPr>
+        <p:cNvPr id="1" name=""/>
+        <p:cNvGrpSpPr/>
+        <p:nvPr/>
+      </p:nvGrpSpPr>
+      <p:grpSpPr>
+        <a:xfrm>
+          <a:off x="0" y="0"/>
+          <a:ext cx="0" cy="0"/>
+          <a:chOff x="0" y="0"/>
+          <a:chExt cx="0" cy="0"/>
+        </a:xfrm>
+      </p:grpSpPr>
+      <p:sp>
+        <p:nvSpPr>
+          <p:cNvPr id="2" name="Title 1">
+            <a:extLst>
+              <a:ext uri="{FF2B5EF4-FFF2-40B4-BE49-F238E27FC236}">
+                <a16:creationId xmlns:a16="http://schemas.microsoft.com/office/drawing/2014/main" id="{5F7AC716-FE61-1D41-80BF-5F16E9B71E62}"/>
+              </a:ext>
+            </a:extLst>
+          </p:cNvPr>
+          <p:cNvSpPr>
+            <a:spLocks noGrp="1"/>
+          </p:cNvSpPr>
+          <p:nvPr>
+            <p:ph type="title"/>
+          </p:nvPr>
+        </p:nvSpPr>
+        <p:spPr/>
+        <p:txBody>
+          <a:bodyPr/>
+          <a:lstStyle/>
+          <a:p>
+            <a:r>
+              <a:rPr lang="en-US" dirty="0"/>
+              <a:t>Install general R packages</a:t>
+            </a:r>
+          </a:p>
+        </p:txBody>
+      </p:sp>
+      <p:pic>
+        <p:nvPicPr>
+          <p:cNvPr id="5" name="Content Placeholder 4">
+            <a:extLst>
+              <a:ext uri="{FF2B5EF4-FFF2-40B4-BE49-F238E27FC236}">
+                <a16:creationId xmlns:a16="http://schemas.microsoft.com/office/drawing/2014/main" id="{A267E845-E397-B749-A1B3-100E01DFC865}"/>
+              </a:ext>
+            </a:extLst>
+          </p:cNvPr>
+          <p:cNvPicPr>
+            <a:picLocks noGrp="1" noChangeAspect="1"/>
+          </p:cNvPicPr>
+          <p:nvPr>
+            <p:ph idx="1"/>
+          </p:nvPr>
+        </p:nvPicPr>
+        <p:blipFill>
+          <a:blip r:embed="rId2"/>
+          <a:stretch>
+            <a:fillRect/>
+          </a:stretch>
+        </p:blipFill>
+        <p:spPr>
+          <a:xfrm>
+            <a:off x="4514850" y="2128044"/>
+            <a:ext cx="3162300" cy="3746500"/>
+          </a:xfrm>
+        </p:spPr>
+      </p:pic>
+    </p:spTree>
+    <p:extLst>
+      <p:ext uri="{BB962C8B-B14F-4D97-AF65-F5344CB8AC3E}">
+        <p14:creationId xmlns:p14="http://schemas.microsoft.com/office/powerpoint/2010/main" val="2406805959"/>
+      </p:ext>
+    </p:extLst>
+  </p:cSld>
+  <p:clrMapOvr>
+    <a:masterClrMapping/>
+  </p:clrMapOvr>
+</p:sld>
+</file>
+
+<file path=ppt/slides/slide13.xml><?xml version="1.0" encoding="utf-8"?>
+<p:sld xmlns:a="http://schemas.openxmlformats.org/drawingml/2006/main" xmlns:r="http://schemas.openxmlformats.org/officeDocument/2006/relationships" xmlns:p="http://schemas.openxmlformats.org/presentationml/2006/main">
+  <p:cSld>
+    <p:spTree>
+      <p:nvGrpSpPr>
+        <p:cNvPr id="1" name=""/>
+        <p:cNvGrpSpPr/>
+        <p:nvPr/>
+      </p:nvGrpSpPr>
+      <p:grpSpPr>
+        <a:xfrm>
+          <a:off x="0" y="0"/>
+          <a:ext cx="0" cy="0"/>
+          <a:chOff x="0" y="0"/>
+          <a:chExt cx="0" cy="0"/>
+        </a:xfrm>
+      </p:grpSpPr>
+      <p:sp>
+        <p:nvSpPr>
+          <p:cNvPr id="2" name="Title 1">
+            <a:extLst>
+              <a:ext uri="{FF2B5EF4-FFF2-40B4-BE49-F238E27FC236}">
+                <a16:creationId xmlns:a16="http://schemas.microsoft.com/office/drawing/2014/main" id="{461C526C-F5D4-1141-96F3-7BB901740F55}"/>
+              </a:ext>
+            </a:extLst>
+          </p:cNvPr>
+          <p:cNvSpPr>
+            <a:spLocks noGrp="1"/>
+          </p:cNvSpPr>
+          <p:nvPr>
+            <p:ph type="title"/>
+          </p:nvPr>
+        </p:nvSpPr>
+        <p:spPr/>
+        <p:txBody>
+          <a:bodyPr/>
+          <a:lstStyle/>
+          <a:p>
+            <a:r>
+              <a:rPr lang="en-US" dirty="0"/>
+              <a:t>Install bioinformatics software</a:t>
+            </a:r>
+          </a:p>
+        </p:txBody>
+      </p:sp>
+      <p:pic>
+        <p:nvPicPr>
+          <p:cNvPr id="5" name="Content Placeholder 4">
+            <a:extLst>
+              <a:ext uri="{FF2B5EF4-FFF2-40B4-BE49-F238E27FC236}">
+                <a16:creationId xmlns:a16="http://schemas.microsoft.com/office/drawing/2014/main" id="{0039062A-1DD3-804C-BC16-AD36DEF4F4D7}"/>
+              </a:ext>
+            </a:extLst>
+          </p:cNvPr>
+          <p:cNvPicPr>
+            <a:picLocks noGrp="1" noChangeAspect="1"/>
+          </p:cNvPicPr>
+          <p:nvPr>
+            <p:ph idx="1"/>
+          </p:nvPr>
+        </p:nvPicPr>
+        <p:blipFill>
+          <a:blip r:embed="rId2"/>
+          <a:stretch>
+            <a:fillRect/>
+          </a:stretch>
+        </p:blipFill>
+        <p:spPr>
+          <a:xfrm>
+            <a:off x="3366219" y="1825625"/>
+            <a:ext cx="5459561" cy="4351338"/>
+          </a:xfrm>
+        </p:spPr>
+      </p:pic>
+      <p:sp>
+        <p:nvSpPr>
+          <p:cNvPr id="6" name="TextBox 5">
+            <a:extLst>
+              <a:ext uri="{FF2B5EF4-FFF2-40B4-BE49-F238E27FC236}">
+                <a16:creationId xmlns:a16="http://schemas.microsoft.com/office/drawing/2014/main" id="{368A9C92-8361-4C45-B407-CBE12DC80FC8}"/>
+              </a:ext>
+            </a:extLst>
+          </p:cNvPr>
+          <p:cNvSpPr txBox="1"/>
+          <p:nvPr/>
+        </p:nvSpPr>
+        <p:spPr>
+          <a:xfrm>
+            <a:off x="838200" y="5454868"/>
+            <a:ext cx="2261838" cy="646331"/>
+          </a:xfrm>
+          <a:prstGeom prst="rect">
+            <a:avLst/>
+          </a:prstGeom>
+          <a:noFill/>
+        </p:spPr>
+        <p:txBody>
+          <a:bodyPr wrap="none" rtlCol="0">
+            <a:spAutoFit/>
+          </a:bodyPr>
+          <a:lstStyle/>
+          <a:p>
+            <a:pPr algn="r"/>
+            <a:r>
+              <a:rPr lang="en-US" dirty="0"/>
+              <a:t>Run these commands </a:t>
+            </a:r>
+          </a:p>
+          <a:p>
+            <a:pPr algn="r"/>
+            <a:r>
+              <a:rPr lang="en-US" dirty="0"/>
+              <a:t>to install -&gt;</a:t>
+            </a:r>
+          </a:p>
+        </p:txBody>
+      </p:sp>
+    </p:spTree>
+    <p:extLst>
+      <p:ext uri="{BB962C8B-B14F-4D97-AF65-F5344CB8AC3E}">
+        <p14:creationId xmlns:p14="http://schemas.microsoft.com/office/powerpoint/2010/main" val="677993837"/>
+      </p:ext>
+    </p:extLst>
+  </p:cSld>
+  <p:clrMapOvr>
+    <a:masterClrMapping/>
+  </p:clrMapOvr>
+</p:sld>
+</file>
+
+<file path=ppt/slides/slide14.xml><?xml version="1.0" encoding="utf-8"?>
+<p:sld xmlns:a="http://schemas.openxmlformats.org/drawingml/2006/main" xmlns:r="http://schemas.openxmlformats.org/officeDocument/2006/relationships" xmlns:p="http://schemas.openxmlformats.org/presentationml/2006/main">
+  <p:cSld>
+    <p:spTree>
+      <p:nvGrpSpPr>
+        <p:cNvPr id="1" name=""/>
+        <p:cNvGrpSpPr/>
+        <p:nvPr/>
+      </p:nvGrpSpPr>
+      <p:grpSpPr>
+        <a:xfrm>
+          <a:off x="0" y="0"/>
+          <a:ext cx="0" cy="0"/>
+          <a:chOff x="0" y="0"/>
+          <a:chExt cx="0" cy="0"/>
+        </a:xfrm>
+      </p:grpSpPr>
+      <p:sp>
+        <p:nvSpPr>
+          <p:cNvPr id="2" name="Title 1">
+            <a:extLst>
+              <a:ext uri="{FF2B5EF4-FFF2-40B4-BE49-F238E27FC236}">
+                <a16:creationId xmlns:a16="http://schemas.microsoft.com/office/drawing/2014/main" id="{9526E9FE-262C-B841-B933-A86301ACD748}"/>
+              </a:ext>
+            </a:extLst>
+          </p:cNvPr>
+          <p:cNvSpPr>
+            <a:spLocks noGrp="1"/>
+          </p:cNvSpPr>
+          <p:nvPr>
+            <p:ph type="title"/>
+          </p:nvPr>
+        </p:nvSpPr>
+        <p:spPr/>
+        <p:txBody>
+          <a:bodyPr/>
+          <a:lstStyle/>
+          <a:p>
+            <a:r>
+              <a:rPr lang="en-US" dirty="0"/>
+              <a:t>Installing DESeq2</a:t>
+            </a:r>
+          </a:p>
+        </p:txBody>
+      </p:sp>
+      <p:pic>
+        <p:nvPicPr>
+          <p:cNvPr id="5" name="Content Placeholder 4">
+            <a:extLst>
+              <a:ext uri="{FF2B5EF4-FFF2-40B4-BE49-F238E27FC236}">
+                <a16:creationId xmlns:a16="http://schemas.microsoft.com/office/drawing/2014/main" id="{2EC74F7A-7D27-334F-9395-E11A2135807C}"/>
+              </a:ext>
+            </a:extLst>
+          </p:cNvPr>
+          <p:cNvPicPr>
+            <a:picLocks noGrp="1" noChangeAspect="1"/>
+          </p:cNvPicPr>
+          <p:nvPr>
+            <p:ph idx="1"/>
+          </p:nvPr>
+        </p:nvPicPr>
+        <p:blipFill>
+          <a:blip r:embed="rId2"/>
+          <a:stretch>
+            <a:fillRect/>
+          </a:stretch>
+        </p:blipFill>
+        <p:spPr>
+          <a:xfrm>
+            <a:off x="3070302" y="1825625"/>
+            <a:ext cx="6051395" cy="4351338"/>
+          </a:xfrm>
+        </p:spPr>
+      </p:pic>
+    </p:spTree>
+    <p:extLst>
+      <p:ext uri="{BB962C8B-B14F-4D97-AF65-F5344CB8AC3E}">
+        <p14:creationId xmlns:p14="http://schemas.microsoft.com/office/powerpoint/2010/main" val="3549344607"/>
+      </p:ext>
+    </p:extLst>
+  </p:cSld>
+  <p:clrMapOvr>
+    <a:masterClrMapping/>
+  </p:clrMapOvr>
+</p:sld>
+</file>
+
+<file path=ppt/slides/slide15.xml><?xml version="1.0" encoding="utf-8"?>
+<p:sld xmlns:a="http://schemas.openxmlformats.org/drawingml/2006/main" xmlns:r="http://schemas.openxmlformats.org/officeDocument/2006/relationships" xmlns:p="http://schemas.openxmlformats.org/presentationml/2006/main">
+  <p:cSld>
+    <p:spTree>
+      <p:nvGrpSpPr>
+        <p:cNvPr id="1" name=""/>
+        <p:cNvGrpSpPr/>
+        <p:nvPr/>
+      </p:nvGrpSpPr>
+      <p:grpSpPr>
+        <a:xfrm>
+          <a:off x="0" y="0"/>
+          <a:ext cx="0" cy="0"/>
+          <a:chOff x="0" y="0"/>
+          <a:chExt cx="0" cy="0"/>
+        </a:xfrm>
+      </p:grpSpPr>
+      <p:sp>
+        <p:nvSpPr>
+          <p:cNvPr id="2" name="Title 1">
+            <a:extLst>
+              <a:ext uri="{FF2B5EF4-FFF2-40B4-BE49-F238E27FC236}">
+                <a16:creationId xmlns:a16="http://schemas.microsoft.com/office/drawing/2014/main" id="{B5772264-818C-4E41-8A27-0A6D3ABCBF9B}"/>
+              </a:ext>
+            </a:extLst>
+          </p:cNvPr>
+          <p:cNvSpPr>
+            <a:spLocks noGrp="1"/>
+          </p:cNvSpPr>
+          <p:nvPr>
+            <p:ph type="title"/>
+          </p:nvPr>
+        </p:nvSpPr>
+        <p:spPr/>
+        <p:txBody>
+          <a:bodyPr/>
+          <a:lstStyle/>
+          <a:p>
+            <a:r>
+              <a:rPr lang="en-US" dirty="0"/>
+              <a:t>Installing DESeq2</a:t>
+            </a:r>
+          </a:p>
+        </p:txBody>
+      </p:sp>
+      <p:pic>
+        <p:nvPicPr>
+          <p:cNvPr id="5" name="Content Placeholder 4">
+            <a:extLst>
+              <a:ext uri="{FF2B5EF4-FFF2-40B4-BE49-F238E27FC236}">
+                <a16:creationId xmlns:a16="http://schemas.microsoft.com/office/drawing/2014/main" id="{48963307-39AC-3E4D-8E08-551F74566990}"/>
+              </a:ext>
+            </a:extLst>
+          </p:cNvPr>
+          <p:cNvPicPr>
+            <a:picLocks noGrp="1" noChangeAspect="1"/>
+          </p:cNvPicPr>
+          <p:nvPr>
+            <p:ph idx="1"/>
+          </p:nvPr>
+        </p:nvPicPr>
+        <p:blipFill>
+          <a:blip r:embed="rId2"/>
+          <a:stretch>
+            <a:fillRect/>
+          </a:stretch>
+        </p:blipFill>
+        <p:spPr>
+          <a:xfrm>
+            <a:off x="3067048" y="1825625"/>
+            <a:ext cx="6057903" cy="4351338"/>
+          </a:xfrm>
+        </p:spPr>
+      </p:pic>
+    </p:spTree>
+    <p:extLst>
+      <p:ext uri="{BB962C8B-B14F-4D97-AF65-F5344CB8AC3E}">
+        <p14:creationId xmlns:p14="http://schemas.microsoft.com/office/powerpoint/2010/main" val="552738720"/>
+      </p:ext>
+    </p:extLst>
+  </p:cSld>
+  <p:clrMapOvr>
+    <a:masterClrMapping/>
+  </p:clrMapOvr>
+</p:sld>
+</file>
+
+<file path=ppt/slides/slide16.xml><?xml version="1.0" encoding="utf-8"?>
+<p:sld xmlns:a="http://schemas.openxmlformats.org/drawingml/2006/main" xmlns:r="http://schemas.openxmlformats.org/officeDocument/2006/relationships" xmlns:p="http://schemas.openxmlformats.org/presentationml/2006/main">
+  <p:cSld>
+    <p:spTree>
+      <p:nvGrpSpPr>
+        <p:cNvPr id="1" name=""/>
+        <p:cNvGrpSpPr/>
+        <p:nvPr/>
+      </p:nvGrpSpPr>
+      <p:grpSpPr>
+        <a:xfrm>
+          <a:off x="0" y="0"/>
+          <a:ext cx="0" cy="0"/>
+          <a:chOff x="0" y="0"/>
+          <a:chExt cx="0" cy="0"/>
+        </a:xfrm>
+      </p:grpSpPr>
+      <p:sp>
+        <p:nvSpPr>
+          <p:cNvPr id="2" name="Title 1">
+            <a:extLst>
+              <a:ext uri="{FF2B5EF4-FFF2-40B4-BE49-F238E27FC236}">
+                <a16:creationId xmlns:a16="http://schemas.microsoft.com/office/drawing/2014/main" id="{BA35BCDC-F2AA-254F-8956-DA53E7D1C416}"/>
+              </a:ext>
+            </a:extLst>
+          </p:cNvPr>
+          <p:cNvSpPr>
+            <a:spLocks noGrp="1"/>
+          </p:cNvSpPr>
+          <p:nvPr>
+            <p:ph type="title"/>
+          </p:nvPr>
+        </p:nvSpPr>
+        <p:spPr/>
+        <p:txBody>
+          <a:bodyPr/>
+          <a:lstStyle/>
+          <a:p>
+            <a:r>
+              <a:rPr lang="en-US" dirty="0"/>
+              <a:t>Loading a library</a:t>
+            </a:r>
+          </a:p>
+        </p:txBody>
+      </p:sp>
+      <p:sp>
+        <p:nvSpPr>
+          <p:cNvPr id="3" name="Content Placeholder 2">
+            <a:extLst>
+              <a:ext uri="{FF2B5EF4-FFF2-40B4-BE49-F238E27FC236}">
+                <a16:creationId xmlns:a16="http://schemas.microsoft.com/office/drawing/2014/main" id="{E505E5FC-95F3-3A46-BA44-A5C1C5F245CE}"/>
+              </a:ext>
+            </a:extLst>
+          </p:cNvPr>
+          <p:cNvSpPr>
+            <a:spLocks noGrp="1"/>
+          </p:cNvSpPr>
+          <p:nvPr>
+            <p:ph idx="1"/>
+          </p:nvPr>
+        </p:nvSpPr>
+        <p:spPr/>
+        <p:txBody>
+          <a:bodyPr>
+            <a:normAutofit/>
+          </a:bodyPr>
+          <a:lstStyle/>
+          <a:p>
+            <a:r>
+              <a:rPr lang="en-US" dirty="0"/>
+              <a:t>Need to give the session or script access to the functions from the library</a:t>
+            </a:r>
+          </a:p>
+          <a:p>
+            <a:pPr marL="457200" lvl="1" indent="0">
+              <a:buNone/>
+            </a:pPr>
+            <a:r>
+              <a:rPr lang="en-US" dirty="0">
+                <a:latin typeface="Consolas" panose="020B0609020204030204" pitchFamily="49" charset="0"/>
+                <a:cs typeface="Consolas" panose="020B0609020204030204" pitchFamily="49" charset="0"/>
+              </a:rPr>
+              <a:t>&gt; library(</a:t>
+            </a:r>
+            <a:r>
+              <a:rPr lang="en-US" dirty="0" err="1">
+                <a:latin typeface="Consolas" panose="020B0609020204030204" pitchFamily="49" charset="0"/>
+                <a:cs typeface="Consolas" panose="020B0609020204030204" pitchFamily="49" charset="0"/>
+              </a:rPr>
+              <a:t>data.table</a:t>
+            </a:r>
+            <a:r>
+              <a:rPr lang="en-US" dirty="0">
+                <a:latin typeface="Consolas" panose="020B0609020204030204" pitchFamily="49" charset="0"/>
+                <a:cs typeface="Consolas" panose="020B0609020204030204" pitchFamily="49" charset="0"/>
+              </a:rPr>
+              <a:t>)</a:t>
+            </a:r>
+          </a:p>
+          <a:p>
+            <a:pPr marL="457200" lvl="1" indent="0">
+              <a:buNone/>
+            </a:pPr>
+            <a:r>
+              <a:rPr lang="en-US" dirty="0">
+                <a:latin typeface="Consolas" panose="020B0609020204030204" pitchFamily="49" charset="0"/>
+                <a:cs typeface="Consolas" panose="020B0609020204030204" pitchFamily="49" charset="0"/>
+              </a:rPr>
+              <a:t>&gt; library(DESeq2)</a:t>
+            </a:r>
+          </a:p>
+          <a:p>
+            <a:pPr lvl="1"/>
+            <a:endParaRPr lang="en-US" dirty="0"/>
+          </a:p>
+        </p:txBody>
+      </p:sp>
+    </p:spTree>
+    <p:extLst>
+      <p:ext uri="{BB962C8B-B14F-4D97-AF65-F5344CB8AC3E}">
+        <p14:creationId xmlns:p14="http://schemas.microsoft.com/office/powerpoint/2010/main" val="2371125195"/>
+      </p:ext>
+    </p:extLst>
+  </p:cSld>
+  <p:clrMapOvr>
+    <a:masterClrMapping/>
+  </p:clrMapOvr>
+</p:sld>
+</file>
+
+<file path=ppt/slides/slide17.xml><?xml version="1.0" encoding="utf-8"?>
+<p:sld xmlns:a="http://schemas.openxmlformats.org/drawingml/2006/main" xmlns:r="http://schemas.openxmlformats.org/officeDocument/2006/relationships" xmlns:p="http://schemas.openxmlformats.org/presentationml/2006/main">
+  <p:cSld>
+    <p:spTree>
+      <p:nvGrpSpPr>
+        <p:cNvPr id="1" name=""/>
+        <p:cNvGrpSpPr/>
+        <p:nvPr/>
+      </p:nvGrpSpPr>
+      <p:grpSpPr>
+        <a:xfrm>
+          <a:off x="0" y="0"/>
+          <a:ext cx="0" cy="0"/>
+          <a:chOff x="0" y="0"/>
+          <a:chExt cx="0" cy="0"/>
+        </a:xfrm>
+      </p:grpSpPr>
+      <p:sp>
+        <p:nvSpPr>
+          <p:cNvPr id="2" name="Title 1">
+            <a:extLst>
+              <a:ext uri="{FF2B5EF4-FFF2-40B4-BE49-F238E27FC236}">
+                <a16:creationId xmlns:a16="http://schemas.microsoft.com/office/drawing/2014/main" id="{8AEA0E34-3643-DD48-9589-664EED82E25F}"/>
+              </a:ext>
+            </a:extLst>
+          </p:cNvPr>
+          <p:cNvSpPr>
+            <a:spLocks noGrp="1"/>
+          </p:cNvSpPr>
+          <p:nvPr>
+            <p:ph type="title"/>
+          </p:nvPr>
+        </p:nvSpPr>
+        <p:spPr/>
+        <p:txBody>
+          <a:bodyPr/>
+          <a:lstStyle/>
+          <a:p>
+            <a:r>
+              <a:rPr lang="en-US" dirty="0"/>
+              <a:t>Getting help</a:t>
+            </a:r>
+          </a:p>
+        </p:txBody>
+      </p:sp>
+      <p:sp>
+        <p:nvSpPr>
+          <p:cNvPr id="3" name="Content Placeholder 2">
+            <a:extLst>
+              <a:ext uri="{FF2B5EF4-FFF2-40B4-BE49-F238E27FC236}">
+                <a16:creationId xmlns:a16="http://schemas.microsoft.com/office/drawing/2014/main" id="{46C8D58E-BD10-BC41-BAB6-D784802A8C8E}"/>
+              </a:ext>
+            </a:extLst>
+          </p:cNvPr>
+          <p:cNvSpPr>
+            <a:spLocks noGrp="1"/>
+          </p:cNvSpPr>
+          <p:nvPr>
+            <p:ph idx="1"/>
+          </p:nvPr>
+        </p:nvSpPr>
+        <p:spPr/>
+        <p:txBody>
+          <a:bodyPr/>
+          <a:lstStyle/>
+          <a:p>
+            <a:r>
+              <a:rPr lang="en-US" dirty="0" err="1"/>
+              <a:t>StackOverflow</a:t>
+            </a:r>
+            <a:endParaRPr lang="en-US" dirty="0"/>
+          </a:p>
+          <a:p>
+            <a:r>
+              <a:rPr lang="en-US" dirty="0"/>
+              <a:t>Library documentation</a:t>
+            </a:r>
+          </a:p>
+          <a:p>
+            <a:pPr lvl="1"/>
+            <a:r>
+              <a:rPr lang="en-US" dirty="0"/>
+              <a:t>Usually opened with a “?” before the function name (sometimes a “??”)</a:t>
+            </a:r>
+          </a:p>
+          <a:p>
+            <a:pPr lvl="1"/>
+            <a:endParaRPr lang="en-US" dirty="0"/>
+          </a:p>
+          <a:p>
+            <a:r>
+              <a:rPr lang="en-US" dirty="0"/>
+              <a:t>Viewing the help menus</a:t>
+            </a:r>
+          </a:p>
+          <a:p>
+            <a:pPr marL="457200" lvl="1" indent="0">
+              <a:buNone/>
+            </a:pPr>
+            <a:r>
+              <a:rPr lang="en-US" dirty="0">
+                <a:latin typeface="Consolas" panose="020B0609020204030204" pitchFamily="49" charset="0"/>
+                <a:cs typeface="Consolas" panose="020B0609020204030204" pitchFamily="49" charset="0"/>
+              </a:rPr>
+              <a:t>&gt; ?</a:t>
+            </a:r>
+            <a:r>
+              <a:rPr lang="en-US" dirty="0" err="1">
+                <a:latin typeface="Consolas" panose="020B0609020204030204" pitchFamily="49" charset="0"/>
+                <a:cs typeface="Consolas" panose="020B0609020204030204" pitchFamily="49" charset="0"/>
+              </a:rPr>
+              <a:t>data.table</a:t>
+            </a:r>
+            <a:r>
+              <a:rPr lang="en-US" dirty="0">
+                <a:latin typeface="Consolas" panose="020B0609020204030204" pitchFamily="49" charset="0"/>
+                <a:cs typeface="Consolas" panose="020B0609020204030204" pitchFamily="49" charset="0"/>
+              </a:rPr>
+              <a:t> </a:t>
+            </a:r>
+          </a:p>
+          <a:p>
+            <a:pPr marL="457200" lvl="1" indent="0">
+              <a:buNone/>
+            </a:pPr>
+            <a:r>
+              <a:rPr lang="en-US" dirty="0">
+                <a:latin typeface="Consolas" panose="020B0609020204030204" pitchFamily="49" charset="0"/>
+                <a:cs typeface="Consolas" panose="020B0609020204030204" pitchFamily="49" charset="0"/>
+              </a:rPr>
+              <a:t>&gt; ??DESeq2 </a:t>
+            </a:r>
+          </a:p>
+          <a:p>
+            <a:pPr marL="457200" lvl="1" indent="0">
+              <a:buNone/>
+            </a:pPr>
+            <a:r>
+              <a:rPr lang="en-US" dirty="0">
+                <a:latin typeface="Consolas" panose="020B0609020204030204" pitchFamily="49" charset="0"/>
+                <a:cs typeface="Consolas" panose="020B0609020204030204" pitchFamily="49" charset="0"/>
+              </a:rPr>
+              <a:t>&gt; ?</a:t>
+            </a:r>
+            <a:r>
+              <a:rPr lang="en-US" dirty="0" err="1">
+                <a:latin typeface="Consolas" panose="020B0609020204030204" pitchFamily="49" charset="0"/>
+                <a:cs typeface="Consolas" panose="020B0609020204030204" pitchFamily="49" charset="0"/>
+              </a:rPr>
+              <a:t>estimateSizeFactors</a:t>
+            </a:r>
+            <a:endParaRPr lang="en-US" dirty="0">
+              <a:latin typeface="Consolas" panose="020B0609020204030204" pitchFamily="49" charset="0"/>
+              <a:cs typeface="Consolas" panose="020B0609020204030204" pitchFamily="49" charset="0"/>
+            </a:endParaRPr>
+          </a:p>
+          <a:p>
+            <a:pPr marL="457200" lvl="1" indent="0">
+              <a:buNone/>
+            </a:pPr>
+            <a:r>
+              <a:rPr lang="en-US" dirty="0">
+                <a:latin typeface="Consolas" panose="020B0609020204030204" pitchFamily="49" charset="0"/>
+                <a:cs typeface="Consolas" panose="020B0609020204030204" pitchFamily="49" charset="0"/>
+              </a:rPr>
+              <a:t>&gt; </a:t>
+            </a:r>
+            <a:r>
+              <a:rPr lang="en-US" dirty="0" err="1">
+                <a:latin typeface="Consolas" panose="020B0609020204030204" pitchFamily="49" charset="0"/>
+                <a:cs typeface="Consolas" panose="020B0609020204030204" pitchFamily="49" charset="0"/>
+              </a:rPr>
+              <a:t>browseVignettes</a:t>
+            </a:r>
+            <a:r>
+              <a:rPr lang="en-US" dirty="0">
+                <a:latin typeface="Consolas" panose="020B0609020204030204" pitchFamily="49" charset="0"/>
+                <a:cs typeface="Consolas" panose="020B0609020204030204" pitchFamily="49" charset="0"/>
+              </a:rPr>
+              <a:t>("DESeq2")</a:t>
+            </a:r>
+          </a:p>
+          <a:p>
+            <a:pPr lvl="2"/>
+            <a:r>
+              <a:rPr lang="en-US" dirty="0"/>
+              <a:t>-&gt; </a:t>
+            </a:r>
+            <a:r>
+              <a:rPr lang="en-US" dirty="0">
+                <a:hlinkClick r:id="rId2"/>
+              </a:rPr>
+              <a:t>DESeq2::counts</a:t>
+            </a:r>
+            <a:endParaRPr lang="en-US" dirty="0"/>
+          </a:p>
+          <a:p>
+            <a:pPr marL="0" indent="0">
+              <a:buNone/>
+            </a:pPr>
+            <a:endParaRPr lang="en-US" dirty="0"/>
+          </a:p>
+        </p:txBody>
+      </p:sp>
+    </p:spTree>
+    <p:extLst>
+      <p:ext uri="{BB962C8B-B14F-4D97-AF65-F5344CB8AC3E}">
+        <p14:creationId xmlns:p14="http://schemas.microsoft.com/office/powerpoint/2010/main" val="4247324551"/>
+      </p:ext>
+    </p:extLst>
+  </p:cSld>
+  <p:clrMapOvr>
+    <a:masterClrMapping/>
+  </p:clrMapOvr>
+</p:sld>
+</file>
+
+<file path=ppt/slides/slide18.xml><?xml version="1.0" encoding="utf-8"?>
+<p:sld xmlns:a="http://schemas.openxmlformats.org/drawingml/2006/main" xmlns:r="http://schemas.openxmlformats.org/officeDocument/2006/relationships" xmlns:p="http://schemas.openxmlformats.org/presentationml/2006/main">
+  <p:cSld>
+    <p:spTree>
+      <p:nvGrpSpPr>
+        <p:cNvPr id="1" name=""/>
+        <p:cNvGrpSpPr/>
+        <p:nvPr/>
+      </p:nvGrpSpPr>
+      <p:grpSpPr>
+        <a:xfrm>
+          <a:off x="0" y="0"/>
+          <a:ext cx="0" cy="0"/>
+          <a:chOff x="0" y="0"/>
+          <a:chExt cx="0" cy="0"/>
+        </a:xfrm>
+      </p:grpSpPr>
+      <p:sp>
+        <p:nvSpPr>
+          <p:cNvPr id="2" name="Title 1">
+            <a:extLst>
+              <a:ext uri="{FF2B5EF4-FFF2-40B4-BE49-F238E27FC236}">
+                <a16:creationId xmlns:a16="http://schemas.microsoft.com/office/drawing/2014/main" id="{2FF65B27-FAC5-C047-BC6B-6E4F3A29C604}"/>
+              </a:ext>
+            </a:extLst>
+          </p:cNvPr>
+          <p:cNvSpPr>
+            <a:spLocks noGrp="1"/>
+          </p:cNvSpPr>
+          <p:nvPr>
+            <p:ph type="title"/>
+          </p:nvPr>
+        </p:nvSpPr>
+        <p:spPr/>
+        <p:txBody>
+          <a:bodyPr/>
+          <a:lstStyle/>
+          <a:p>
+            <a:r>
+              <a:rPr lang="en-US" dirty="0"/>
+              <a:t>Accessing Bioconductor tool help menu</a:t>
+            </a:r>
+          </a:p>
+        </p:txBody>
+      </p:sp>
+      <p:pic>
+        <p:nvPicPr>
+          <p:cNvPr id="5" name="Content Placeholder 4">
+            <a:extLst>
+              <a:ext uri="{FF2B5EF4-FFF2-40B4-BE49-F238E27FC236}">
+                <a16:creationId xmlns:a16="http://schemas.microsoft.com/office/drawing/2014/main" id="{BEDFFC4A-8A68-9F45-B373-3E334711BA79}"/>
+              </a:ext>
+            </a:extLst>
+          </p:cNvPr>
+          <p:cNvPicPr>
+            <a:picLocks noGrp="1" noChangeAspect="1"/>
+          </p:cNvPicPr>
+          <p:nvPr>
+            <p:ph idx="1"/>
+          </p:nvPr>
+        </p:nvPicPr>
+        <p:blipFill>
+          <a:blip r:embed="rId2"/>
+          <a:stretch>
+            <a:fillRect/>
+          </a:stretch>
+        </p:blipFill>
+        <p:spPr>
+          <a:xfrm>
+            <a:off x="3067840" y="1825625"/>
+            <a:ext cx="6056319" cy="4351338"/>
+          </a:xfrm>
+        </p:spPr>
+      </p:pic>
+    </p:spTree>
+    <p:extLst>
+      <p:ext uri="{BB962C8B-B14F-4D97-AF65-F5344CB8AC3E}">
+        <p14:creationId xmlns:p14="http://schemas.microsoft.com/office/powerpoint/2010/main" val="2027345228"/>
+      </p:ext>
+    </p:extLst>
+  </p:cSld>
+  <p:clrMapOvr>
+    <a:masterClrMapping/>
+  </p:clrMapOvr>
+</p:sld>
+</file>
+
+<file path=ppt/slides/slide19.xml><?xml version="1.0" encoding="utf-8"?>
+<p:sld xmlns:a="http://schemas.openxmlformats.org/drawingml/2006/main" xmlns:r="http://schemas.openxmlformats.org/officeDocument/2006/relationships" xmlns:p="http://schemas.openxmlformats.org/presentationml/2006/main">
+  <p:cSld>
+    <p:spTree>
+      <p:nvGrpSpPr>
+        <p:cNvPr id="1" name=""/>
+        <p:cNvGrpSpPr/>
+        <p:nvPr/>
+      </p:nvGrpSpPr>
+      <p:grpSpPr>
+        <a:xfrm>
+          <a:off x="0" y="0"/>
+          <a:ext cx="0" cy="0"/>
+          <a:chOff x="0" y="0"/>
+          <a:chExt cx="0" cy="0"/>
+        </a:xfrm>
+      </p:grpSpPr>
+      <p:sp>
+        <p:nvSpPr>
+          <p:cNvPr id="2" name="Title 1">
+            <a:extLst>
+              <a:ext uri="{FF2B5EF4-FFF2-40B4-BE49-F238E27FC236}">
+                <a16:creationId xmlns:a16="http://schemas.microsoft.com/office/drawing/2014/main" id="{2FF65B27-FAC5-C047-BC6B-6E4F3A29C604}"/>
+              </a:ext>
+            </a:extLst>
+          </p:cNvPr>
+          <p:cNvSpPr>
+            <a:spLocks noGrp="1"/>
+          </p:cNvSpPr>
+          <p:nvPr>
+            <p:ph type="title"/>
+          </p:nvPr>
+        </p:nvSpPr>
+        <p:spPr/>
+        <p:txBody>
+          <a:bodyPr/>
+          <a:lstStyle/>
+          <a:p>
+            <a:r>
+              <a:rPr lang="en-US" dirty="0"/>
+              <a:t>Accessing Bioconductor tool help menu</a:t>
+            </a:r>
+          </a:p>
+        </p:txBody>
+      </p:sp>
+      <p:pic>
+        <p:nvPicPr>
+          <p:cNvPr id="7" name="Content Placeholder 6">
+            <a:extLst>
+              <a:ext uri="{FF2B5EF4-FFF2-40B4-BE49-F238E27FC236}">
+                <a16:creationId xmlns:a16="http://schemas.microsoft.com/office/drawing/2014/main" id="{0356013D-76FF-A843-82B7-20B4320713DD}"/>
+              </a:ext>
+            </a:extLst>
+          </p:cNvPr>
+          <p:cNvPicPr>
+            <a:picLocks noGrp="1" noChangeAspect="1"/>
+          </p:cNvPicPr>
+          <p:nvPr>
+            <p:ph idx="1"/>
+          </p:nvPr>
+        </p:nvPicPr>
+        <p:blipFill>
+          <a:blip r:embed="rId2"/>
+          <a:stretch>
+            <a:fillRect/>
+          </a:stretch>
+        </p:blipFill>
+        <p:spPr>
+          <a:xfrm>
+            <a:off x="3627365" y="1825625"/>
+            <a:ext cx="4937269" cy="4351338"/>
+          </a:xfrm>
+        </p:spPr>
+      </p:pic>
+      <p:cxnSp>
+        <p:nvCxnSpPr>
+          <p:cNvPr id="9" name="Straight Arrow Connector 8">
+            <a:extLst>
+              <a:ext uri="{FF2B5EF4-FFF2-40B4-BE49-F238E27FC236}">
+                <a16:creationId xmlns:a16="http://schemas.microsoft.com/office/drawing/2014/main" id="{265D70C3-244F-6F48-888D-6966616B7E7A}"/>
+              </a:ext>
+            </a:extLst>
+          </p:cNvPr>
+          <p:cNvCxnSpPr>
+            <a:cxnSpLocks/>
+          </p:cNvCxnSpPr>
+          <p:nvPr/>
+        </p:nvCxnSpPr>
+        <p:spPr>
+          <a:xfrm>
+            <a:off x="3428521" y="4127157"/>
+            <a:ext cx="397688" cy="640562"/>
+          </a:xfrm>
+          <a:prstGeom prst="straightConnector1">
+            <a:avLst/>
+          </a:prstGeom>
+          <a:ln w="38100">
+            <a:solidFill>
+              <a:srgbClr val="FF0000"/>
+            </a:solidFill>
+            <a:tailEnd type="triangle"/>
+          </a:ln>
+        </p:spPr>
+        <p:style>
+          <a:lnRef idx="1">
+            <a:schemeClr val="accent2"/>
+          </a:lnRef>
+          <a:fillRef idx="0">
+            <a:schemeClr val="accent2"/>
+          </a:fillRef>
+          <a:effectRef idx="0">
+            <a:schemeClr val="accent2"/>
+          </a:effectRef>
+          <a:fontRef idx="minor">
+            <a:schemeClr val="tx1"/>
+          </a:fontRef>
+        </p:style>
+      </p:cxnSp>
+      <p:cxnSp>
+        <p:nvCxnSpPr>
+          <p:cNvPr id="11" name="Straight Arrow Connector 10">
+            <a:extLst>
+              <a:ext uri="{FF2B5EF4-FFF2-40B4-BE49-F238E27FC236}">
+                <a16:creationId xmlns:a16="http://schemas.microsoft.com/office/drawing/2014/main" id="{E056CB80-3128-9E49-BAEC-56D1537523EC}"/>
+              </a:ext>
+            </a:extLst>
+          </p:cNvPr>
+          <p:cNvCxnSpPr>
+            <a:cxnSpLocks/>
+          </p:cNvCxnSpPr>
+          <p:nvPr/>
+        </p:nvCxnSpPr>
+        <p:spPr>
+          <a:xfrm>
+            <a:off x="2936790" y="4767719"/>
+            <a:ext cx="889419" cy="320281"/>
+          </a:xfrm>
+          <a:prstGeom prst="straightConnector1">
+            <a:avLst/>
+          </a:prstGeom>
+          <a:ln w="38100">
+            <a:solidFill>
+              <a:srgbClr val="FF0000"/>
+            </a:solidFill>
+            <a:tailEnd type="triangle"/>
+          </a:ln>
+        </p:spPr>
+        <p:style>
+          <a:lnRef idx="1">
+            <a:schemeClr val="accent2"/>
+          </a:lnRef>
+          <a:fillRef idx="0">
+            <a:schemeClr val="accent2"/>
+          </a:fillRef>
+          <a:effectRef idx="0">
+            <a:schemeClr val="accent2"/>
+          </a:effectRef>
+          <a:fontRef idx="minor">
+            <a:schemeClr val="tx1"/>
+          </a:fontRef>
+        </p:style>
+      </p:cxnSp>
+    </p:spTree>
+    <p:extLst>
+      <p:ext uri="{BB962C8B-B14F-4D97-AF65-F5344CB8AC3E}">
+        <p14:creationId xmlns:p14="http://schemas.microsoft.com/office/powerpoint/2010/main" val="1758486139"/>
+      </p:ext>
+    </p:extLst>
+  </p:cSld>
+  <p:clrMapOvr>
+    <a:masterClrMapping/>
+  </p:clrMapOvr>
+</p:sld>
+</file>
+
+<file path=ppt/slides/slide2.xml><?xml version="1.0" encoding="utf-8"?>
+<p:sld xmlns:a="http://schemas.openxmlformats.org/drawingml/2006/main" xmlns:r="http://schemas.openxmlformats.org/officeDocument/2006/relationships" xmlns:p="http://schemas.openxmlformats.org/presentationml/2006/main">
+  <p:cSld>
+    <p:spTree>
+      <p:nvGrpSpPr>
+        <p:cNvPr id="1" name=""/>
+        <p:cNvGrpSpPr/>
+        <p:nvPr/>
+      </p:nvGrpSpPr>
+      <p:grpSpPr>
+        <a:xfrm>
+          <a:off x="0" y="0"/>
+          <a:ext cx="0" cy="0"/>
+          <a:chOff x="0" y="0"/>
+          <a:chExt cx="0" cy="0"/>
+        </a:xfrm>
+      </p:grpSpPr>
+      <p:sp>
+        <p:nvSpPr>
+          <p:cNvPr id="2" name="Title 1">
+            <a:extLst>
+              <a:ext uri="{FF2B5EF4-FFF2-40B4-BE49-F238E27FC236}">
                 <a16:creationId xmlns:a16="http://schemas.microsoft.com/office/drawing/2014/main" id="{D84FD462-78F6-1744-88DC-90F986F10A2F}"/>
               </a:ext>
             </a:extLst>
@@ -3848,6 +5345,3330 @@
     <p:extLst>
       <p:ext uri="{BB962C8B-B14F-4D97-AF65-F5344CB8AC3E}">
         <p14:creationId xmlns:p14="http://schemas.microsoft.com/office/powerpoint/2010/main" val="1185113121"/>
+      </p:ext>
+    </p:extLst>
+  </p:cSld>
+  <p:clrMapOvr>
+    <a:masterClrMapping/>
+  </p:clrMapOvr>
+</p:sld>
+</file>
+
+<file path=ppt/slides/slide20.xml><?xml version="1.0" encoding="utf-8"?>
+<p:sld xmlns:a="http://schemas.openxmlformats.org/drawingml/2006/main" xmlns:r="http://schemas.openxmlformats.org/officeDocument/2006/relationships" xmlns:p="http://schemas.openxmlformats.org/presentationml/2006/main">
+  <p:cSld>
+    <p:spTree>
+      <p:nvGrpSpPr>
+        <p:cNvPr id="1" name=""/>
+        <p:cNvGrpSpPr/>
+        <p:nvPr/>
+      </p:nvGrpSpPr>
+      <p:grpSpPr>
+        <a:xfrm>
+          <a:off x="0" y="0"/>
+          <a:ext cx="0" cy="0"/>
+          <a:chOff x="0" y="0"/>
+          <a:chExt cx="0" cy="0"/>
+        </a:xfrm>
+      </p:grpSpPr>
+      <p:sp>
+        <p:nvSpPr>
+          <p:cNvPr id="2" name="Title 1">
+            <a:extLst>
+              <a:ext uri="{FF2B5EF4-FFF2-40B4-BE49-F238E27FC236}">
+                <a16:creationId xmlns:a16="http://schemas.microsoft.com/office/drawing/2014/main" id="{CAA4493D-37B5-C546-BBEB-ED2993F6C06B}"/>
+              </a:ext>
+            </a:extLst>
+          </p:cNvPr>
+          <p:cNvSpPr>
+            <a:spLocks noGrp="1"/>
+          </p:cNvSpPr>
+          <p:nvPr>
+            <p:ph type="title"/>
+          </p:nvPr>
+        </p:nvSpPr>
+        <p:spPr/>
+        <p:txBody>
+          <a:bodyPr/>
+          <a:lstStyle/>
+          <a:p>
+            <a:r>
+              <a:rPr lang="en-US" dirty="0"/>
+              <a:t>if/else conditionals</a:t>
+            </a:r>
+          </a:p>
+        </p:txBody>
+      </p:sp>
+      <p:sp>
+        <p:nvSpPr>
+          <p:cNvPr id="3" name="Content Placeholder 2">
+            <a:extLst>
+              <a:ext uri="{FF2B5EF4-FFF2-40B4-BE49-F238E27FC236}">
+                <a16:creationId xmlns:a16="http://schemas.microsoft.com/office/drawing/2014/main" id="{531289C5-6717-A847-A9A7-694469F23410}"/>
+              </a:ext>
+            </a:extLst>
+          </p:cNvPr>
+          <p:cNvSpPr>
+            <a:spLocks noGrp="1"/>
+          </p:cNvSpPr>
+          <p:nvPr>
+            <p:ph idx="1"/>
+          </p:nvPr>
+        </p:nvSpPr>
+        <p:spPr/>
+        <p:txBody>
+          <a:bodyPr/>
+          <a:lstStyle/>
+          <a:p>
+            <a:r>
+              <a:rPr lang="en-US" dirty="0"/>
+              <a:t>Say we want to get the output of a function and depending on that output, perform one of two options</a:t>
+            </a:r>
+          </a:p>
+          <a:p>
+            <a:r>
+              <a:rPr lang="en-US" dirty="0"/>
+              <a:t>For example, we only want to run the next step if the output is less than 100. We will need if/else logic, and will need to use </a:t>
+            </a:r>
+            <a:r>
+              <a:rPr lang="en-US" u="sng" dirty="0"/>
+              <a:t>operators</a:t>
+            </a:r>
+          </a:p>
+          <a:p>
+            <a:pPr marL="0" indent="0">
+              <a:buNone/>
+            </a:pPr>
+            <a:r>
+              <a:rPr lang="en-US" dirty="0">
+                <a:latin typeface="Consolas" panose="020B0609020204030204" pitchFamily="49" charset="0"/>
+                <a:cs typeface="Consolas" panose="020B0609020204030204" pitchFamily="49" charset="0"/>
+              </a:rPr>
+              <a:t>&gt; y &lt;- function(x)</a:t>
+            </a:r>
+          </a:p>
+          <a:p>
+            <a:pPr marL="0" indent="0">
+              <a:buNone/>
+            </a:pPr>
+            <a:r>
+              <a:rPr lang="en-US" dirty="0">
+                <a:latin typeface="Consolas" panose="020B0609020204030204" pitchFamily="49" charset="0"/>
+                <a:cs typeface="Consolas" panose="020B0609020204030204" pitchFamily="49" charset="0"/>
+              </a:rPr>
+              <a:t>&gt; if (y &lt; 100) {do this} else {do this}</a:t>
+            </a:r>
+          </a:p>
+        </p:txBody>
+      </p:sp>
+    </p:spTree>
+    <p:extLst>
+      <p:ext uri="{BB962C8B-B14F-4D97-AF65-F5344CB8AC3E}">
+        <p14:creationId xmlns:p14="http://schemas.microsoft.com/office/powerpoint/2010/main" val="4003931717"/>
+      </p:ext>
+    </p:extLst>
+  </p:cSld>
+  <p:clrMapOvr>
+    <a:masterClrMapping/>
+  </p:clrMapOvr>
+</p:sld>
+</file>
+
+<file path=ppt/slides/slide21.xml><?xml version="1.0" encoding="utf-8"?>
+<p:sld xmlns:a="http://schemas.openxmlformats.org/drawingml/2006/main" xmlns:r="http://schemas.openxmlformats.org/officeDocument/2006/relationships" xmlns:p="http://schemas.openxmlformats.org/presentationml/2006/main">
+  <p:cSld>
+    <p:spTree>
+      <p:nvGrpSpPr>
+        <p:cNvPr id="1" name=""/>
+        <p:cNvGrpSpPr/>
+        <p:nvPr/>
+      </p:nvGrpSpPr>
+      <p:grpSpPr>
+        <a:xfrm>
+          <a:off x="0" y="0"/>
+          <a:ext cx="0" cy="0"/>
+          <a:chOff x="0" y="0"/>
+          <a:chExt cx="0" cy="0"/>
+        </a:xfrm>
+      </p:grpSpPr>
+      <p:sp>
+        <p:nvSpPr>
+          <p:cNvPr id="2" name="Title 1">
+            <a:extLst>
+              <a:ext uri="{FF2B5EF4-FFF2-40B4-BE49-F238E27FC236}">
+                <a16:creationId xmlns:a16="http://schemas.microsoft.com/office/drawing/2014/main" id="{4C20EC83-DD2C-C44C-BB64-D6524F9BB73B}"/>
+              </a:ext>
+            </a:extLst>
+          </p:cNvPr>
+          <p:cNvSpPr>
+            <a:spLocks noGrp="1"/>
+          </p:cNvSpPr>
+          <p:nvPr>
+            <p:ph type="title"/>
+          </p:nvPr>
+        </p:nvSpPr>
+        <p:spPr/>
+        <p:txBody>
+          <a:bodyPr/>
+          <a:lstStyle/>
+          <a:p>
+            <a:endParaRPr lang="en-US"/>
+          </a:p>
+        </p:txBody>
+      </p:sp>
+      <p:sp>
+        <p:nvSpPr>
+          <p:cNvPr id="3" name="Content Placeholder 2">
+            <a:extLst>
+              <a:ext uri="{FF2B5EF4-FFF2-40B4-BE49-F238E27FC236}">
+                <a16:creationId xmlns:a16="http://schemas.microsoft.com/office/drawing/2014/main" id="{6F20427C-3F4A-2947-8210-1A042881C79A}"/>
+              </a:ext>
+            </a:extLst>
+          </p:cNvPr>
+          <p:cNvSpPr>
+            <a:spLocks noGrp="1"/>
+          </p:cNvSpPr>
+          <p:nvPr>
+            <p:ph idx="1"/>
+          </p:nvPr>
+        </p:nvSpPr>
+        <p:spPr/>
+        <p:txBody>
+          <a:bodyPr/>
+          <a:lstStyle/>
+          <a:p>
+            <a:r>
+              <a:rPr lang="en-US" dirty="0"/>
+              <a:t>Let’s break this down and go over some edge cases</a:t>
+            </a:r>
+          </a:p>
+          <a:p>
+            <a:pPr marL="0" indent="0">
+              <a:buNone/>
+            </a:pPr>
+            <a:r>
+              <a:rPr lang="en-US" dirty="0">
+                <a:latin typeface="Consolas" panose="020B0609020204030204" pitchFamily="49" charset="0"/>
+                <a:cs typeface="Consolas" panose="020B0609020204030204" pitchFamily="49" charset="0"/>
+              </a:rPr>
+              <a:t>&gt; if (y &lt; 100) {do this} else {do this}</a:t>
+            </a:r>
+            <a:endParaRPr lang="en-US" dirty="0"/>
+          </a:p>
+          <a:p>
+            <a:r>
+              <a:rPr lang="en-US" dirty="0"/>
+              <a:t>Structure</a:t>
+            </a:r>
+          </a:p>
+          <a:p>
+            <a:pPr lvl="1"/>
+            <a:r>
+              <a:rPr lang="en-US" dirty="0"/>
+              <a:t>The statement being evaluated is in </a:t>
+            </a:r>
+            <a:r>
+              <a:rPr lang="en-US" dirty="0" err="1"/>
+              <a:t>parantheses</a:t>
+            </a:r>
+            <a:endParaRPr lang="en-US" dirty="0"/>
+          </a:p>
+          <a:p>
+            <a:pPr lvl="1"/>
+            <a:r>
+              <a:rPr lang="en-US" dirty="0"/>
+              <a:t>The task to run if the statement is true is in curly brackets</a:t>
+            </a:r>
+          </a:p>
+          <a:p>
+            <a:pPr lvl="1"/>
+            <a:r>
+              <a:rPr lang="en-US" dirty="0"/>
+              <a:t>The syntax of how to do this will differ language to language</a:t>
+            </a:r>
+          </a:p>
+          <a:p>
+            <a:pPr lvl="1"/>
+            <a:r>
+              <a:rPr lang="en-US" dirty="0"/>
+              <a:t>“else” covers all leftover options – this can be left blank</a:t>
+            </a:r>
+          </a:p>
+          <a:p>
+            <a:endParaRPr lang="en-US" dirty="0"/>
+          </a:p>
+        </p:txBody>
+      </p:sp>
+    </p:spTree>
+    <p:extLst>
+      <p:ext uri="{BB962C8B-B14F-4D97-AF65-F5344CB8AC3E}">
+        <p14:creationId xmlns:p14="http://schemas.microsoft.com/office/powerpoint/2010/main" val="1089183146"/>
+      </p:ext>
+    </p:extLst>
+  </p:cSld>
+  <p:clrMapOvr>
+    <a:masterClrMapping/>
+  </p:clrMapOvr>
+</p:sld>
+</file>
+
+<file path=ppt/slides/slide22.xml><?xml version="1.0" encoding="utf-8"?>
+<p:sld xmlns:a="http://schemas.openxmlformats.org/drawingml/2006/main" xmlns:r="http://schemas.openxmlformats.org/officeDocument/2006/relationships" xmlns:p="http://schemas.openxmlformats.org/presentationml/2006/main">
+  <p:cSld>
+    <p:spTree>
+      <p:nvGrpSpPr>
+        <p:cNvPr id="1" name=""/>
+        <p:cNvGrpSpPr/>
+        <p:nvPr/>
+      </p:nvGrpSpPr>
+      <p:grpSpPr>
+        <a:xfrm>
+          <a:off x="0" y="0"/>
+          <a:ext cx="0" cy="0"/>
+          <a:chOff x="0" y="0"/>
+          <a:chExt cx="0" cy="0"/>
+        </a:xfrm>
+      </p:grpSpPr>
+      <p:sp>
+        <p:nvSpPr>
+          <p:cNvPr id="2" name="Title 1">
+            <a:extLst>
+              <a:ext uri="{FF2B5EF4-FFF2-40B4-BE49-F238E27FC236}">
+                <a16:creationId xmlns:a16="http://schemas.microsoft.com/office/drawing/2014/main" id="{169FDDAC-C171-044C-9CE1-36CFC968E4F6}"/>
+              </a:ext>
+            </a:extLst>
+          </p:cNvPr>
+          <p:cNvSpPr>
+            <a:spLocks noGrp="1"/>
+          </p:cNvSpPr>
+          <p:nvPr>
+            <p:ph type="title"/>
+          </p:nvPr>
+        </p:nvSpPr>
+        <p:spPr/>
+        <p:txBody>
+          <a:bodyPr/>
+          <a:lstStyle/>
+          <a:p>
+            <a:r>
+              <a:rPr lang="en-US" dirty="0"/>
+              <a:t>Operators</a:t>
+            </a:r>
+          </a:p>
+        </p:txBody>
+      </p:sp>
+      <p:sp>
+        <p:nvSpPr>
+          <p:cNvPr id="3" name="Content Placeholder 2">
+            <a:extLst>
+              <a:ext uri="{FF2B5EF4-FFF2-40B4-BE49-F238E27FC236}">
+                <a16:creationId xmlns:a16="http://schemas.microsoft.com/office/drawing/2014/main" id="{B595531A-E109-9C4A-816A-FA6B90E1DE5B}"/>
+              </a:ext>
+            </a:extLst>
+          </p:cNvPr>
+          <p:cNvSpPr>
+            <a:spLocks noGrp="1"/>
+          </p:cNvSpPr>
+          <p:nvPr>
+            <p:ph idx="1"/>
+          </p:nvPr>
+        </p:nvSpPr>
+        <p:spPr/>
+        <p:txBody>
+          <a:bodyPr/>
+          <a:lstStyle/>
+          <a:p>
+            <a:r>
+              <a:rPr lang="en-US" dirty="0"/>
+              <a:t>&gt;: greater than </a:t>
+            </a:r>
+          </a:p>
+          <a:p>
+            <a:r>
+              <a:rPr lang="en-US" dirty="0"/>
+              <a:t>&lt;: less than </a:t>
+            </a:r>
+          </a:p>
+          <a:p>
+            <a:r>
+              <a:rPr lang="en-US" dirty="0"/>
+              <a:t>&gt;=: greater than or equal to </a:t>
+            </a:r>
+          </a:p>
+          <a:p>
+            <a:r>
+              <a:rPr lang="en-US" dirty="0"/>
+              <a:t>&lt;=: less than or equal to </a:t>
+            </a:r>
+          </a:p>
+          <a:p>
+            <a:r>
+              <a:rPr lang="en-US" dirty="0"/>
+              <a:t>==: equal to </a:t>
+            </a:r>
+          </a:p>
+          <a:p>
+            <a:r>
+              <a:rPr lang="en-US" dirty="0"/>
+              <a:t>!=: not equal to </a:t>
+            </a:r>
+          </a:p>
+          <a:p>
+            <a:r>
+              <a:rPr lang="en-US" dirty="0"/>
+              <a:t>&amp;: and </a:t>
+            </a:r>
+          </a:p>
+          <a:p>
+            <a:r>
+              <a:rPr lang="en-US" dirty="0"/>
+              <a:t>|: or</a:t>
+            </a:r>
+          </a:p>
+        </p:txBody>
+      </p:sp>
+      <p:sp>
+        <p:nvSpPr>
+          <p:cNvPr id="4" name="Rectangle 3">
+            <a:extLst>
+              <a:ext uri="{FF2B5EF4-FFF2-40B4-BE49-F238E27FC236}">
+                <a16:creationId xmlns:a16="http://schemas.microsoft.com/office/drawing/2014/main" id="{A32EBBD9-8F7B-8A4E-AFBA-76AC1B51D5B9}"/>
+              </a:ext>
+            </a:extLst>
+          </p:cNvPr>
+          <p:cNvSpPr/>
+          <p:nvPr/>
+        </p:nvSpPr>
+        <p:spPr>
+          <a:xfrm>
+            <a:off x="6377331" y="6488668"/>
+            <a:ext cx="5814669" cy="369332"/>
+          </a:xfrm>
+          <a:prstGeom prst="rect">
+            <a:avLst/>
+          </a:prstGeom>
+        </p:spPr>
+        <p:txBody>
+          <a:bodyPr wrap="none">
+            <a:spAutoFit/>
+          </a:bodyPr>
+          <a:lstStyle/>
+          <a:p>
+            <a:r>
+              <a:rPr lang="en-US" dirty="0">
+                <a:hlinkClick r:id="rId2"/>
+              </a:rPr>
+              <a:t>https://www.statmethods.net/management/operators.html</a:t>
+            </a:r>
+            <a:endParaRPr lang="en-US" dirty="0"/>
+          </a:p>
+        </p:txBody>
+      </p:sp>
+    </p:spTree>
+    <p:extLst>
+      <p:ext uri="{BB962C8B-B14F-4D97-AF65-F5344CB8AC3E}">
+        <p14:creationId xmlns:p14="http://schemas.microsoft.com/office/powerpoint/2010/main" val="1709980480"/>
+      </p:ext>
+    </p:extLst>
+  </p:cSld>
+  <p:clrMapOvr>
+    <a:masterClrMapping/>
+  </p:clrMapOvr>
+</p:sld>
+</file>
+
+<file path=ppt/slides/slide23.xml><?xml version="1.0" encoding="utf-8"?>
+<p:sld xmlns:a="http://schemas.openxmlformats.org/drawingml/2006/main" xmlns:r="http://schemas.openxmlformats.org/officeDocument/2006/relationships" xmlns:p="http://schemas.openxmlformats.org/presentationml/2006/main">
+  <p:cSld>
+    <p:spTree>
+      <p:nvGrpSpPr>
+        <p:cNvPr id="1" name=""/>
+        <p:cNvGrpSpPr/>
+        <p:nvPr/>
+      </p:nvGrpSpPr>
+      <p:grpSpPr>
+        <a:xfrm>
+          <a:off x="0" y="0"/>
+          <a:ext cx="0" cy="0"/>
+          <a:chOff x="0" y="0"/>
+          <a:chExt cx="0" cy="0"/>
+        </a:xfrm>
+      </p:grpSpPr>
+      <p:sp>
+        <p:nvSpPr>
+          <p:cNvPr id="2" name="Title 1">
+            <a:extLst>
+              <a:ext uri="{FF2B5EF4-FFF2-40B4-BE49-F238E27FC236}">
+                <a16:creationId xmlns:a16="http://schemas.microsoft.com/office/drawing/2014/main" id="{76513586-AB2E-AF47-859F-193EF49BEB02}"/>
+              </a:ext>
+            </a:extLst>
+          </p:cNvPr>
+          <p:cNvSpPr>
+            <a:spLocks noGrp="1"/>
+          </p:cNvSpPr>
+          <p:nvPr>
+            <p:ph type="title"/>
+          </p:nvPr>
+        </p:nvSpPr>
+        <p:spPr/>
+        <p:txBody>
+          <a:bodyPr/>
+          <a:lstStyle/>
+          <a:p>
+            <a:endParaRPr lang="en-US" dirty="0"/>
+          </a:p>
+        </p:txBody>
+      </p:sp>
+      <p:sp>
+        <p:nvSpPr>
+          <p:cNvPr id="3" name="Content Placeholder 2">
+            <a:extLst>
+              <a:ext uri="{FF2B5EF4-FFF2-40B4-BE49-F238E27FC236}">
+                <a16:creationId xmlns:a16="http://schemas.microsoft.com/office/drawing/2014/main" id="{0826D3D8-41A8-E04D-88C7-1E4760DFB371}"/>
+              </a:ext>
+            </a:extLst>
+          </p:cNvPr>
+          <p:cNvSpPr>
+            <a:spLocks noGrp="1"/>
+          </p:cNvSpPr>
+          <p:nvPr>
+            <p:ph idx="1"/>
+          </p:nvPr>
+        </p:nvSpPr>
+        <p:spPr/>
+        <p:txBody>
+          <a:bodyPr/>
+          <a:lstStyle/>
+          <a:p>
+            <a:r>
+              <a:rPr lang="en-US" dirty="0"/>
+              <a:t>What if there are several options you want to encode?</a:t>
+            </a:r>
+          </a:p>
+          <a:p>
+            <a:pPr marL="0" indent="0">
+              <a:buNone/>
+            </a:pPr>
+            <a:r>
+              <a:rPr lang="en-US" dirty="0">
+                <a:latin typeface="Consolas" panose="020B0609020204030204" pitchFamily="49" charset="0"/>
+                <a:cs typeface="Consolas" panose="020B0609020204030204" pitchFamily="49" charset="0"/>
+              </a:rPr>
+              <a:t>&gt; </a:t>
+            </a:r>
+            <a:r>
+              <a:rPr lang="en-US" sz="2400" dirty="0">
+                <a:latin typeface="Consolas" panose="020B0609020204030204" pitchFamily="49" charset="0"/>
+                <a:cs typeface="Consolas" panose="020B0609020204030204" pitchFamily="49" charset="0"/>
+              </a:rPr>
+              <a:t>if (y &lt; 100) {</a:t>
+            </a:r>
+          </a:p>
+          <a:p>
+            <a:pPr marL="457200" lvl="1" indent="0">
+              <a:buNone/>
+            </a:pPr>
+            <a:r>
+              <a:rPr lang="en-US" dirty="0">
+                <a:latin typeface="Consolas" panose="020B0609020204030204" pitchFamily="49" charset="0"/>
+                <a:cs typeface="Consolas" panose="020B0609020204030204" pitchFamily="49" charset="0"/>
+              </a:rPr>
+              <a:t>	do this</a:t>
+            </a:r>
+          </a:p>
+          <a:p>
+            <a:pPr marL="457200" lvl="1" indent="0">
+              <a:buNone/>
+            </a:pPr>
+            <a:r>
+              <a:rPr lang="en-US" dirty="0">
+                <a:latin typeface="Consolas" panose="020B0609020204030204" pitchFamily="49" charset="0"/>
+                <a:cs typeface="Consolas" panose="020B0609020204030204" pitchFamily="49" charset="0"/>
+              </a:rPr>
+              <a:t>} else if (y &gt; 100 &amp; y &lt;= 200) {</a:t>
+            </a:r>
+          </a:p>
+          <a:p>
+            <a:pPr marL="457200" lvl="1" indent="0">
+              <a:buNone/>
+            </a:pPr>
+            <a:r>
+              <a:rPr lang="en-US" dirty="0">
+                <a:latin typeface="Consolas" panose="020B0609020204030204" pitchFamily="49" charset="0"/>
+                <a:cs typeface="Consolas" panose="020B0609020204030204" pitchFamily="49" charset="0"/>
+              </a:rPr>
+              <a:t>	do this</a:t>
+            </a:r>
+          </a:p>
+          <a:p>
+            <a:pPr marL="457200" lvl="1" indent="0">
+              <a:buNone/>
+            </a:pPr>
+            <a:r>
+              <a:rPr lang="en-US" dirty="0">
+                <a:latin typeface="Consolas" panose="020B0609020204030204" pitchFamily="49" charset="0"/>
+                <a:cs typeface="Consolas" panose="020B0609020204030204" pitchFamily="49" charset="0"/>
+              </a:rPr>
+              <a:t>} else if (y &gt; 200 &amp; y &lt;= 300) {</a:t>
+            </a:r>
+          </a:p>
+          <a:p>
+            <a:pPr marL="457200" lvl="1" indent="0">
+              <a:buNone/>
+            </a:pPr>
+            <a:r>
+              <a:rPr lang="en-US" dirty="0">
+                <a:latin typeface="Consolas" panose="020B0609020204030204" pitchFamily="49" charset="0"/>
+                <a:cs typeface="Consolas" panose="020B0609020204030204" pitchFamily="49" charset="0"/>
+              </a:rPr>
+              <a:t>	do this</a:t>
+            </a:r>
+          </a:p>
+          <a:p>
+            <a:pPr marL="457200" lvl="1" indent="0">
+              <a:buNone/>
+            </a:pPr>
+            <a:r>
+              <a:rPr lang="en-US" dirty="0">
+                <a:latin typeface="Consolas" panose="020B0609020204030204" pitchFamily="49" charset="0"/>
+                <a:cs typeface="Consolas" panose="020B0609020204030204" pitchFamily="49" charset="0"/>
+              </a:rPr>
+              <a:t>} else {</a:t>
+            </a:r>
+          </a:p>
+          <a:p>
+            <a:pPr marL="457200" lvl="1" indent="0">
+              <a:buNone/>
+            </a:pPr>
+            <a:r>
+              <a:rPr lang="en-US" dirty="0">
+                <a:latin typeface="Consolas" panose="020B0609020204030204" pitchFamily="49" charset="0"/>
+                <a:cs typeface="Consolas" panose="020B0609020204030204" pitchFamily="49" charset="0"/>
+              </a:rPr>
+              <a:t>	do this</a:t>
+            </a:r>
+          </a:p>
+          <a:p>
+            <a:pPr marL="457200" lvl="1" indent="0">
+              <a:buNone/>
+            </a:pPr>
+            <a:r>
+              <a:rPr lang="en-US" dirty="0">
+                <a:latin typeface="Consolas" panose="020B0609020204030204" pitchFamily="49" charset="0"/>
+                <a:cs typeface="Consolas" panose="020B0609020204030204" pitchFamily="49" charset="0"/>
+              </a:rPr>
+              <a:t>}</a:t>
+            </a:r>
+            <a:endParaRPr lang="en-US" dirty="0"/>
+          </a:p>
+          <a:p>
+            <a:endParaRPr lang="en-US" dirty="0"/>
+          </a:p>
+        </p:txBody>
+      </p:sp>
+    </p:spTree>
+    <p:extLst>
+      <p:ext uri="{BB962C8B-B14F-4D97-AF65-F5344CB8AC3E}">
+        <p14:creationId xmlns:p14="http://schemas.microsoft.com/office/powerpoint/2010/main" val="4050019295"/>
+      </p:ext>
+    </p:extLst>
+  </p:cSld>
+  <p:clrMapOvr>
+    <a:masterClrMapping/>
+  </p:clrMapOvr>
+</p:sld>
+</file>
+
+<file path=ppt/slides/slide24.xml><?xml version="1.0" encoding="utf-8"?>
+<p:sld xmlns:a="http://schemas.openxmlformats.org/drawingml/2006/main" xmlns:r="http://schemas.openxmlformats.org/officeDocument/2006/relationships" xmlns:p="http://schemas.openxmlformats.org/presentationml/2006/main">
+  <p:cSld>
+    <p:spTree>
+      <p:nvGrpSpPr>
+        <p:cNvPr id="1" name=""/>
+        <p:cNvGrpSpPr/>
+        <p:nvPr/>
+      </p:nvGrpSpPr>
+      <p:grpSpPr>
+        <a:xfrm>
+          <a:off x="0" y="0"/>
+          <a:ext cx="0" cy="0"/>
+          <a:chOff x="0" y="0"/>
+          <a:chExt cx="0" cy="0"/>
+        </a:xfrm>
+      </p:grpSpPr>
+      <p:sp>
+        <p:nvSpPr>
+          <p:cNvPr id="2" name="Title 1">
+            <a:extLst>
+              <a:ext uri="{FF2B5EF4-FFF2-40B4-BE49-F238E27FC236}">
+                <a16:creationId xmlns:a16="http://schemas.microsoft.com/office/drawing/2014/main" id="{2AF76D12-D12F-D84F-8817-2DC5179D1331}"/>
+              </a:ext>
+            </a:extLst>
+          </p:cNvPr>
+          <p:cNvSpPr>
+            <a:spLocks noGrp="1"/>
+          </p:cNvSpPr>
+          <p:nvPr>
+            <p:ph type="title"/>
+          </p:nvPr>
+        </p:nvSpPr>
+        <p:spPr/>
+        <p:txBody>
+          <a:bodyPr/>
+          <a:lstStyle/>
+          <a:p>
+            <a:r>
+              <a:rPr lang="en-US" dirty="0"/>
+              <a:t>For loops</a:t>
+            </a:r>
+          </a:p>
+        </p:txBody>
+      </p:sp>
+      <p:sp>
+        <p:nvSpPr>
+          <p:cNvPr id="3" name="Content Placeholder 2">
+            <a:extLst>
+              <a:ext uri="{FF2B5EF4-FFF2-40B4-BE49-F238E27FC236}">
+                <a16:creationId xmlns:a16="http://schemas.microsoft.com/office/drawing/2014/main" id="{9B514734-D5A8-BD46-A0BF-15C0F1FB1F3F}"/>
+              </a:ext>
+            </a:extLst>
+          </p:cNvPr>
+          <p:cNvSpPr>
+            <a:spLocks noGrp="1"/>
+          </p:cNvSpPr>
+          <p:nvPr>
+            <p:ph idx="1"/>
+          </p:nvPr>
+        </p:nvSpPr>
+        <p:spPr/>
+        <p:txBody>
+          <a:bodyPr>
+            <a:normAutofit fontScale="85000" lnSpcReduction="20000"/>
+          </a:bodyPr>
+          <a:lstStyle/>
+          <a:p>
+            <a:r>
+              <a:rPr lang="en-US" dirty="0"/>
+              <a:t>Used to repeat a task for a defined list of values</a:t>
+            </a:r>
+          </a:p>
+          <a:p>
+            <a:pPr marL="0" indent="0">
+              <a:buNone/>
+            </a:pPr>
+            <a:r>
+              <a:rPr lang="en-US" dirty="0">
+                <a:latin typeface="Consolas" panose="020B0609020204030204" pitchFamily="49" charset="0"/>
+                <a:cs typeface="Consolas" panose="020B0609020204030204" pitchFamily="49" charset="0"/>
+              </a:rPr>
+              <a:t>&gt; A &lt;- c(“Hello”, “world”, “!”)</a:t>
+            </a:r>
+          </a:p>
+          <a:p>
+            <a:pPr marL="0" indent="0">
+              <a:buNone/>
+            </a:pPr>
+            <a:r>
+              <a:rPr lang="en-US" dirty="0">
+                <a:latin typeface="Consolas" panose="020B0609020204030204" pitchFamily="49" charset="0"/>
+                <a:cs typeface="Consolas" panose="020B0609020204030204" pitchFamily="49" charset="0"/>
+              </a:rPr>
+              <a:t>&gt; for (x in A) {print(x)}</a:t>
+            </a:r>
+          </a:p>
+          <a:p>
+            <a:pPr marL="0" indent="0">
+              <a:buNone/>
+            </a:pPr>
+            <a:endParaRPr lang="en-US" dirty="0">
+              <a:latin typeface="Consolas" panose="020B0609020204030204" pitchFamily="49" charset="0"/>
+              <a:cs typeface="Consolas" panose="020B0609020204030204" pitchFamily="49" charset="0"/>
+            </a:endParaRPr>
+          </a:p>
+          <a:p>
+            <a:r>
+              <a:rPr lang="en-US" dirty="0">
+                <a:cs typeface="Consolas" panose="020B0609020204030204" pitchFamily="49" charset="0"/>
+              </a:rPr>
+              <a:t>This can be combined with conditions</a:t>
+            </a:r>
+          </a:p>
+          <a:p>
+            <a:pPr marL="0" indent="0">
+              <a:buNone/>
+            </a:pPr>
+            <a:r>
+              <a:rPr lang="en-US" dirty="0">
+                <a:latin typeface="Consolas" panose="020B0609020204030204" pitchFamily="49" charset="0"/>
+                <a:cs typeface="Consolas" panose="020B0609020204030204" pitchFamily="49" charset="0"/>
+              </a:rPr>
+              <a:t>&gt; for (x in A) {</a:t>
+            </a:r>
+          </a:p>
+          <a:p>
+            <a:pPr marL="0" indent="0">
+              <a:buNone/>
+            </a:pPr>
+            <a:r>
+              <a:rPr lang="en-US" dirty="0">
+                <a:latin typeface="Consolas" panose="020B0609020204030204" pitchFamily="49" charset="0"/>
+                <a:cs typeface="Consolas" panose="020B0609020204030204" pitchFamily="49" charset="0"/>
+              </a:rPr>
+              <a:t>	if (</a:t>
+            </a:r>
+            <a:r>
+              <a:rPr lang="en-US" dirty="0" err="1">
+                <a:latin typeface="Consolas" panose="020B0609020204030204" pitchFamily="49" charset="0"/>
+                <a:cs typeface="Consolas" panose="020B0609020204030204" pitchFamily="49" charset="0"/>
+              </a:rPr>
+              <a:t>nchar</a:t>
+            </a:r>
+            <a:r>
+              <a:rPr lang="en-US" dirty="0">
+                <a:latin typeface="Consolas" panose="020B0609020204030204" pitchFamily="49" charset="0"/>
+                <a:cs typeface="Consolas" panose="020B0609020204030204" pitchFamily="49" charset="0"/>
+              </a:rPr>
+              <a:t>(x) &gt; 2) {</a:t>
+            </a:r>
+          </a:p>
+          <a:p>
+            <a:pPr marL="0" indent="0">
+              <a:buNone/>
+            </a:pPr>
+            <a:r>
+              <a:rPr lang="en-US" dirty="0">
+                <a:latin typeface="Consolas" panose="020B0609020204030204" pitchFamily="49" charset="0"/>
+                <a:cs typeface="Consolas" panose="020B0609020204030204" pitchFamily="49" charset="0"/>
+              </a:rPr>
+              <a:t>		print(x)</a:t>
+            </a:r>
+          </a:p>
+          <a:p>
+            <a:pPr marL="0" indent="0">
+              <a:buNone/>
+            </a:pPr>
+            <a:r>
+              <a:rPr lang="en-US" dirty="0">
+                <a:latin typeface="Consolas" panose="020B0609020204030204" pitchFamily="49" charset="0"/>
+                <a:cs typeface="Consolas" panose="020B0609020204030204" pitchFamily="49" charset="0"/>
+              </a:rPr>
+              <a:t>	}</a:t>
+            </a:r>
+          </a:p>
+          <a:p>
+            <a:pPr marL="0" indent="0">
+              <a:buNone/>
+            </a:pPr>
+            <a:r>
+              <a:rPr lang="en-US" dirty="0">
+                <a:latin typeface="Consolas" panose="020B0609020204030204" pitchFamily="49" charset="0"/>
+                <a:cs typeface="Consolas" panose="020B0609020204030204" pitchFamily="49" charset="0"/>
+              </a:rPr>
+              <a:t>  }</a:t>
+            </a:r>
+          </a:p>
+          <a:p>
+            <a:r>
+              <a:rPr lang="en-US" dirty="0">
+                <a:latin typeface="Consolas" panose="020B0609020204030204" pitchFamily="49" charset="0"/>
+                <a:cs typeface="Consolas" panose="020B0609020204030204" pitchFamily="49" charset="0"/>
+              </a:rPr>
+              <a:t>Thought exercise: What will this print out?</a:t>
+            </a:r>
+          </a:p>
+        </p:txBody>
+      </p:sp>
+    </p:spTree>
+    <p:extLst>
+      <p:ext uri="{BB962C8B-B14F-4D97-AF65-F5344CB8AC3E}">
+        <p14:creationId xmlns:p14="http://schemas.microsoft.com/office/powerpoint/2010/main" val="3196144787"/>
+      </p:ext>
+    </p:extLst>
+  </p:cSld>
+  <p:clrMapOvr>
+    <a:masterClrMapping/>
+  </p:clrMapOvr>
+</p:sld>
+</file>
+
+<file path=ppt/slides/slide25.xml><?xml version="1.0" encoding="utf-8"?>
+<p:sld xmlns:a="http://schemas.openxmlformats.org/drawingml/2006/main" xmlns:r="http://schemas.openxmlformats.org/officeDocument/2006/relationships" xmlns:p="http://schemas.openxmlformats.org/presentationml/2006/main">
+  <p:cSld>
+    <p:spTree>
+      <p:nvGrpSpPr>
+        <p:cNvPr id="1" name=""/>
+        <p:cNvGrpSpPr/>
+        <p:nvPr/>
+      </p:nvGrpSpPr>
+      <p:grpSpPr>
+        <a:xfrm>
+          <a:off x="0" y="0"/>
+          <a:ext cx="0" cy="0"/>
+          <a:chOff x="0" y="0"/>
+          <a:chExt cx="0" cy="0"/>
+        </a:xfrm>
+      </p:grpSpPr>
+      <p:sp>
+        <p:nvSpPr>
+          <p:cNvPr id="2" name="Title 1">
+            <a:extLst>
+              <a:ext uri="{FF2B5EF4-FFF2-40B4-BE49-F238E27FC236}">
+                <a16:creationId xmlns:a16="http://schemas.microsoft.com/office/drawing/2014/main" id="{E12ACA21-0513-2D4E-A1D2-3ADBD0CE4A44}"/>
+              </a:ext>
+            </a:extLst>
+          </p:cNvPr>
+          <p:cNvSpPr>
+            <a:spLocks noGrp="1"/>
+          </p:cNvSpPr>
+          <p:nvPr>
+            <p:ph type="title"/>
+          </p:nvPr>
+        </p:nvSpPr>
+        <p:spPr/>
+        <p:txBody>
+          <a:bodyPr/>
+          <a:lstStyle/>
+          <a:p>
+            <a:r>
+              <a:rPr lang="en-US" dirty="0"/>
+              <a:t>While loops</a:t>
+            </a:r>
+          </a:p>
+        </p:txBody>
+      </p:sp>
+      <p:sp>
+        <p:nvSpPr>
+          <p:cNvPr id="3" name="Content Placeholder 2">
+            <a:extLst>
+              <a:ext uri="{FF2B5EF4-FFF2-40B4-BE49-F238E27FC236}">
+                <a16:creationId xmlns:a16="http://schemas.microsoft.com/office/drawing/2014/main" id="{708B1C8A-2B25-6A45-A832-8FA5035BEC87}"/>
+              </a:ext>
+            </a:extLst>
+          </p:cNvPr>
+          <p:cNvSpPr>
+            <a:spLocks noGrp="1"/>
+          </p:cNvSpPr>
+          <p:nvPr>
+            <p:ph idx="1"/>
+          </p:nvPr>
+        </p:nvSpPr>
+        <p:spPr/>
+        <p:txBody>
+          <a:bodyPr>
+            <a:normAutofit fontScale="92500" lnSpcReduction="10000"/>
+          </a:bodyPr>
+          <a:lstStyle/>
+          <a:p>
+            <a:r>
+              <a:rPr lang="en-US" dirty="0"/>
+              <a:t>What if we don’t know how many iterations we want to run?</a:t>
+            </a:r>
+          </a:p>
+          <a:p>
+            <a:pPr marL="0" indent="0">
+              <a:buNone/>
+            </a:pPr>
+            <a:r>
+              <a:rPr lang="en-US" dirty="0">
+                <a:latin typeface="Consolas" panose="020B0609020204030204" pitchFamily="49" charset="0"/>
+                <a:cs typeface="Consolas" panose="020B0609020204030204" pitchFamily="49" charset="0"/>
+              </a:rPr>
+              <a:t>&gt; y &lt;- 0      # We initialize the counting variable here</a:t>
+            </a:r>
+          </a:p>
+          <a:p>
+            <a:pPr marL="0" indent="0">
+              <a:buNone/>
+            </a:pPr>
+            <a:r>
+              <a:rPr lang="en-US" dirty="0">
+                <a:latin typeface="Consolas" panose="020B0609020204030204" pitchFamily="49" charset="0"/>
+                <a:cs typeface="Consolas" panose="020B0609020204030204" pitchFamily="49" charset="0"/>
+              </a:rPr>
+              <a:t>&gt; while (y &lt; 10) {</a:t>
+            </a:r>
+          </a:p>
+          <a:p>
+            <a:pPr marL="0" indent="0">
+              <a:buNone/>
+            </a:pPr>
+            <a:r>
+              <a:rPr lang="en-US" dirty="0">
+                <a:latin typeface="Consolas" panose="020B0609020204030204" pitchFamily="49" charset="0"/>
+                <a:cs typeface="Consolas" panose="020B0609020204030204" pitchFamily="49" charset="0"/>
+              </a:rPr>
+              <a:t>	print(“Hello”)</a:t>
+            </a:r>
+          </a:p>
+          <a:p>
+            <a:pPr marL="0" indent="0">
+              <a:buNone/>
+            </a:pPr>
+            <a:r>
+              <a:rPr lang="en-US" dirty="0">
+                <a:latin typeface="Consolas" panose="020B0609020204030204" pitchFamily="49" charset="0"/>
+                <a:cs typeface="Consolas" panose="020B0609020204030204" pitchFamily="49" charset="0"/>
+              </a:rPr>
+              <a:t>	y &lt;- y + 1</a:t>
+            </a:r>
+          </a:p>
+          <a:p>
+            <a:pPr marL="0" indent="0">
+              <a:buNone/>
+            </a:pPr>
+            <a:r>
+              <a:rPr lang="en-US" dirty="0">
+                <a:latin typeface="Consolas" panose="020B0609020204030204" pitchFamily="49" charset="0"/>
+                <a:cs typeface="Consolas" panose="020B0609020204030204" pitchFamily="49" charset="0"/>
+              </a:rPr>
+              <a:t>}</a:t>
+            </a:r>
+          </a:p>
+          <a:p>
+            <a:pPr marL="0" indent="0">
+              <a:buNone/>
+            </a:pPr>
+            <a:r>
+              <a:rPr lang="en-US" dirty="0">
+                <a:latin typeface="Consolas" panose="020B0609020204030204" pitchFamily="49" charset="0"/>
+                <a:cs typeface="Consolas" panose="020B0609020204030204" pitchFamily="49" charset="0"/>
+              </a:rPr>
+              <a:t>&gt; print(”Goodbye”)</a:t>
+            </a:r>
+          </a:p>
+          <a:p>
+            <a:pPr marL="0" indent="0">
+              <a:buNone/>
+            </a:pPr>
+            <a:endParaRPr lang="en-US" dirty="0"/>
+          </a:p>
+          <a:p>
+            <a:r>
+              <a:rPr lang="en-US" dirty="0"/>
+              <a:t>However, this is flexible, if we changed the iterator to only add 0.5, would run 2x loops</a:t>
+            </a:r>
+          </a:p>
+        </p:txBody>
+      </p:sp>
+    </p:spTree>
+    <p:extLst>
+      <p:ext uri="{BB962C8B-B14F-4D97-AF65-F5344CB8AC3E}">
+        <p14:creationId xmlns:p14="http://schemas.microsoft.com/office/powerpoint/2010/main" val="2550703669"/>
+      </p:ext>
+    </p:extLst>
+  </p:cSld>
+  <p:clrMapOvr>
+    <a:masterClrMapping/>
+  </p:clrMapOvr>
+</p:sld>
+</file>
+
+<file path=ppt/slides/slide26.xml><?xml version="1.0" encoding="utf-8"?>
+<p:sld xmlns:a="http://schemas.openxmlformats.org/drawingml/2006/main" xmlns:r="http://schemas.openxmlformats.org/officeDocument/2006/relationships" xmlns:p="http://schemas.openxmlformats.org/presentationml/2006/main">
+  <p:cSld>
+    <p:spTree>
+      <p:nvGrpSpPr>
+        <p:cNvPr id="1" name=""/>
+        <p:cNvGrpSpPr/>
+        <p:nvPr/>
+      </p:nvGrpSpPr>
+      <p:grpSpPr>
+        <a:xfrm>
+          <a:off x="0" y="0"/>
+          <a:ext cx="0" cy="0"/>
+          <a:chOff x="0" y="0"/>
+          <a:chExt cx="0" cy="0"/>
+        </a:xfrm>
+      </p:grpSpPr>
+      <p:sp>
+        <p:nvSpPr>
+          <p:cNvPr id="2" name="Title 1">
+            <a:extLst>
+              <a:ext uri="{FF2B5EF4-FFF2-40B4-BE49-F238E27FC236}">
+                <a16:creationId xmlns:a16="http://schemas.microsoft.com/office/drawing/2014/main" id="{4E54927E-A2AF-274B-8D4D-F0697D072A8D}"/>
+              </a:ext>
+            </a:extLst>
+          </p:cNvPr>
+          <p:cNvSpPr>
+            <a:spLocks noGrp="1"/>
+          </p:cNvSpPr>
+          <p:nvPr>
+            <p:ph type="title"/>
+          </p:nvPr>
+        </p:nvSpPr>
+        <p:spPr/>
+        <p:txBody>
+          <a:bodyPr/>
+          <a:lstStyle/>
+          <a:p>
+            <a:endParaRPr lang="en-US"/>
+          </a:p>
+        </p:txBody>
+      </p:sp>
+      <p:sp>
+        <p:nvSpPr>
+          <p:cNvPr id="3" name="Content Placeholder 2">
+            <a:extLst>
+              <a:ext uri="{FF2B5EF4-FFF2-40B4-BE49-F238E27FC236}">
+                <a16:creationId xmlns:a16="http://schemas.microsoft.com/office/drawing/2014/main" id="{4FE28027-DD9D-C447-92A4-C3D042D3541D}"/>
+              </a:ext>
+            </a:extLst>
+          </p:cNvPr>
+          <p:cNvSpPr>
+            <a:spLocks noGrp="1"/>
+          </p:cNvSpPr>
+          <p:nvPr>
+            <p:ph idx="1"/>
+          </p:nvPr>
+        </p:nvSpPr>
+        <p:spPr/>
+        <p:txBody>
+          <a:bodyPr>
+            <a:normAutofit/>
+          </a:bodyPr>
+          <a:lstStyle/>
+          <a:p>
+            <a:pPr marL="0" indent="0">
+              <a:buNone/>
+            </a:pPr>
+            <a:r>
+              <a:rPr lang="en-US" dirty="0">
+                <a:latin typeface="Consolas" panose="020B0609020204030204" pitchFamily="49" charset="0"/>
+                <a:cs typeface="Consolas" panose="020B0609020204030204" pitchFamily="49" charset="0"/>
+              </a:rPr>
+              <a:t>&gt; </a:t>
+            </a:r>
+            <a:r>
+              <a:rPr lang="en-US" dirty="0" err="1">
+                <a:latin typeface="Consolas" panose="020B0609020204030204" pitchFamily="49" charset="0"/>
+                <a:cs typeface="Consolas" panose="020B0609020204030204" pitchFamily="49" charset="0"/>
+              </a:rPr>
+              <a:t>addone</a:t>
+            </a:r>
+            <a:r>
+              <a:rPr lang="en-US" dirty="0">
+                <a:latin typeface="Consolas" panose="020B0609020204030204" pitchFamily="49" charset="0"/>
+                <a:cs typeface="Consolas" panose="020B0609020204030204" pitchFamily="49" charset="0"/>
+              </a:rPr>
+              <a:t> &lt;- function(x) {</a:t>
+            </a:r>
+          </a:p>
+          <a:p>
+            <a:pPr marL="0" indent="0">
+              <a:buNone/>
+            </a:pPr>
+            <a:r>
+              <a:rPr lang="en-US" dirty="0">
+                <a:latin typeface="Consolas" panose="020B0609020204030204" pitchFamily="49" charset="0"/>
+                <a:cs typeface="Consolas" panose="020B0609020204030204" pitchFamily="49" charset="0"/>
+              </a:rPr>
+              <a:t>	x &lt;- x + 1</a:t>
+            </a:r>
+          </a:p>
+          <a:p>
+            <a:pPr marL="0" indent="0">
+              <a:buNone/>
+            </a:pPr>
+            <a:r>
+              <a:rPr lang="en-US" dirty="0">
+                <a:latin typeface="Consolas" panose="020B0609020204030204" pitchFamily="49" charset="0"/>
+                <a:cs typeface="Consolas" panose="020B0609020204030204" pitchFamily="49" charset="0"/>
+              </a:rPr>
+              <a:t>	return(x)</a:t>
+            </a:r>
+          </a:p>
+          <a:p>
+            <a:pPr marL="0" indent="0">
+              <a:buNone/>
+            </a:pPr>
+            <a:r>
+              <a:rPr lang="en-US" dirty="0">
+                <a:latin typeface="Consolas" panose="020B0609020204030204" pitchFamily="49" charset="0"/>
+                <a:cs typeface="Consolas" panose="020B0609020204030204" pitchFamily="49" charset="0"/>
+              </a:rPr>
+              <a:t>}</a:t>
+            </a:r>
+          </a:p>
+          <a:p>
+            <a:pPr marL="0" indent="0">
+              <a:buNone/>
+            </a:pPr>
+            <a:r>
+              <a:rPr lang="en-US" dirty="0">
+                <a:latin typeface="Consolas" panose="020B0609020204030204" pitchFamily="49" charset="0"/>
+                <a:cs typeface="Consolas" panose="020B0609020204030204" pitchFamily="49" charset="0"/>
+              </a:rPr>
+              <a:t>&gt; </a:t>
+            </a:r>
+            <a:r>
+              <a:rPr lang="en-US" dirty="0" err="1">
+                <a:latin typeface="Consolas" panose="020B0609020204030204" pitchFamily="49" charset="0"/>
+                <a:cs typeface="Consolas" panose="020B0609020204030204" pitchFamily="49" charset="0"/>
+              </a:rPr>
+              <a:t>addone</a:t>
+            </a:r>
+            <a:r>
+              <a:rPr lang="en-US" dirty="0">
+                <a:latin typeface="Consolas" panose="020B0609020204030204" pitchFamily="49" charset="0"/>
+                <a:cs typeface="Consolas" panose="020B0609020204030204" pitchFamily="49" charset="0"/>
+              </a:rPr>
+              <a:t>(1)</a:t>
+            </a:r>
+          </a:p>
+          <a:p>
+            <a:pPr marL="0" indent="0">
+              <a:buNone/>
+            </a:pPr>
+            <a:r>
+              <a:rPr lang="en-US" dirty="0">
+                <a:latin typeface="Consolas" panose="020B0609020204030204" pitchFamily="49" charset="0"/>
+                <a:cs typeface="Consolas" panose="020B0609020204030204" pitchFamily="49" charset="0"/>
+              </a:rPr>
+              <a:t>&gt; x</a:t>
+            </a:r>
+          </a:p>
+          <a:p>
+            <a:pPr marL="0" indent="0">
+              <a:buNone/>
+            </a:pPr>
+            <a:r>
+              <a:rPr lang="en-US" dirty="0"/>
+              <a:t>Variables set or called in function are only available for that function call, will not set or modify outside variables (usually)</a:t>
+            </a:r>
+          </a:p>
+        </p:txBody>
+      </p:sp>
+    </p:spTree>
+    <p:extLst>
+      <p:ext uri="{BB962C8B-B14F-4D97-AF65-F5344CB8AC3E}">
+        <p14:creationId xmlns:p14="http://schemas.microsoft.com/office/powerpoint/2010/main" val="1615832530"/>
+      </p:ext>
+    </p:extLst>
+  </p:cSld>
+  <p:clrMapOvr>
+    <a:masterClrMapping/>
+  </p:clrMapOvr>
+</p:sld>
+</file>
+
+<file path=ppt/slides/slide27.xml><?xml version="1.0" encoding="utf-8"?>
+<p:sld xmlns:a="http://schemas.openxmlformats.org/drawingml/2006/main" xmlns:r="http://schemas.openxmlformats.org/officeDocument/2006/relationships" xmlns:p="http://schemas.openxmlformats.org/presentationml/2006/main">
+  <p:cSld>
+    <p:spTree>
+      <p:nvGrpSpPr>
+        <p:cNvPr id="1" name=""/>
+        <p:cNvGrpSpPr/>
+        <p:nvPr/>
+      </p:nvGrpSpPr>
+      <p:grpSpPr>
+        <a:xfrm>
+          <a:off x="0" y="0"/>
+          <a:ext cx="0" cy="0"/>
+          <a:chOff x="0" y="0"/>
+          <a:chExt cx="0" cy="0"/>
+        </a:xfrm>
+      </p:grpSpPr>
+      <p:sp>
+        <p:nvSpPr>
+          <p:cNvPr id="2" name="Title 1">
+            <a:extLst>
+              <a:ext uri="{FF2B5EF4-FFF2-40B4-BE49-F238E27FC236}">
+                <a16:creationId xmlns:a16="http://schemas.microsoft.com/office/drawing/2014/main" id="{F5B803C6-B552-484E-813B-1BE8B7D078F6}"/>
+              </a:ext>
+            </a:extLst>
+          </p:cNvPr>
+          <p:cNvSpPr>
+            <a:spLocks noGrp="1"/>
+          </p:cNvSpPr>
+          <p:nvPr>
+            <p:ph type="title"/>
+          </p:nvPr>
+        </p:nvSpPr>
+        <p:spPr/>
+        <p:txBody>
+          <a:bodyPr/>
+          <a:lstStyle/>
+          <a:p>
+            <a:r>
+              <a:rPr lang="en-US" dirty="0"/>
+              <a:t>What about multiple inputs?</a:t>
+            </a:r>
+          </a:p>
+        </p:txBody>
+      </p:sp>
+      <p:sp>
+        <p:nvSpPr>
+          <p:cNvPr id="3" name="Content Placeholder 2">
+            <a:extLst>
+              <a:ext uri="{FF2B5EF4-FFF2-40B4-BE49-F238E27FC236}">
+                <a16:creationId xmlns:a16="http://schemas.microsoft.com/office/drawing/2014/main" id="{FE631705-B59F-2742-8049-9EE4859BCB55}"/>
+              </a:ext>
+            </a:extLst>
+          </p:cNvPr>
+          <p:cNvSpPr>
+            <a:spLocks noGrp="1"/>
+          </p:cNvSpPr>
+          <p:nvPr>
+            <p:ph idx="1"/>
+          </p:nvPr>
+        </p:nvSpPr>
+        <p:spPr/>
+        <p:txBody>
+          <a:bodyPr>
+            <a:normAutofit fontScale="92500" lnSpcReduction="10000"/>
+          </a:bodyPr>
+          <a:lstStyle/>
+          <a:p>
+            <a:pPr marL="0" indent="0">
+              <a:buNone/>
+            </a:pPr>
+            <a:r>
+              <a:rPr lang="en-US" dirty="0">
+                <a:latin typeface="Consolas" panose="020B0609020204030204" pitchFamily="49" charset="0"/>
+                <a:cs typeface="Consolas" panose="020B0609020204030204" pitchFamily="49" charset="0"/>
+              </a:rPr>
+              <a:t>&gt; </a:t>
+            </a:r>
+            <a:r>
+              <a:rPr lang="en-US" dirty="0" err="1">
+                <a:latin typeface="Consolas" panose="020B0609020204030204" pitchFamily="49" charset="0"/>
+                <a:cs typeface="Consolas" panose="020B0609020204030204" pitchFamily="49" charset="0"/>
+              </a:rPr>
+              <a:t>addtwo</a:t>
+            </a:r>
+            <a:r>
+              <a:rPr lang="en-US" dirty="0">
+                <a:latin typeface="Consolas" panose="020B0609020204030204" pitchFamily="49" charset="0"/>
+                <a:cs typeface="Consolas" panose="020B0609020204030204" pitchFamily="49" charset="0"/>
+              </a:rPr>
+              <a:t> &lt;- function(x, y) {</a:t>
+            </a:r>
+          </a:p>
+          <a:p>
+            <a:pPr marL="0" indent="0">
+              <a:buNone/>
+            </a:pPr>
+            <a:r>
+              <a:rPr lang="en-US" dirty="0">
+                <a:latin typeface="Consolas" panose="020B0609020204030204" pitchFamily="49" charset="0"/>
+                <a:cs typeface="Consolas" panose="020B0609020204030204" pitchFamily="49" charset="0"/>
+              </a:rPr>
+              <a:t>	z &lt;- (x + 1) / y</a:t>
+            </a:r>
+          </a:p>
+          <a:p>
+            <a:pPr marL="0" indent="0">
+              <a:buNone/>
+            </a:pPr>
+            <a:r>
+              <a:rPr lang="en-US" dirty="0">
+                <a:latin typeface="Consolas" panose="020B0609020204030204" pitchFamily="49" charset="0"/>
+                <a:cs typeface="Consolas" panose="020B0609020204030204" pitchFamily="49" charset="0"/>
+              </a:rPr>
+              <a:t>	return(z)</a:t>
+            </a:r>
+          </a:p>
+          <a:p>
+            <a:pPr marL="0" indent="0">
+              <a:buNone/>
+            </a:pPr>
+            <a:r>
+              <a:rPr lang="en-US" dirty="0">
+                <a:latin typeface="Consolas" panose="020B0609020204030204" pitchFamily="49" charset="0"/>
+                <a:cs typeface="Consolas" panose="020B0609020204030204" pitchFamily="49" charset="0"/>
+              </a:rPr>
+              <a:t>}</a:t>
+            </a:r>
+          </a:p>
+          <a:p>
+            <a:pPr marL="0" indent="0">
+              <a:buNone/>
+            </a:pPr>
+            <a:r>
+              <a:rPr lang="en-US" dirty="0">
+                <a:latin typeface="Consolas" panose="020B0609020204030204" pitchFamily="49" charset="0"/>
+                <a:cs typeface="Consolas" panose="020B0609020204030204" pitchFamily="49" charset="0"/>
+              </a:rPr>
+              <a:t>&gt; </a:t>
+            </a:r>
+            <a:r>
+              <a:rPr lang="en-US" dirty="0" err="1">
+                <a:latin typeface="Consolas" panose="020B0609020204030204" pitchFamily="49" charset="0"/>
+                <a:cs typeface="Consolas" panose="020B0609020204030204" pitchFamily="49" charset="0"/>
+              </a:rPr>
+              <a:t>addtwo</a:t>
+            </a:r>
+            <a:r>
+              <a:rPr lang="en-US" dirty="0">
+                <a:latin typeface="Consolas" panose="020B0609020204030204" pitchFamily="49" charset="0"/>
+                <a:cs typeface="Consolas" panose="020B0609020204030204" pitchFamily="49" charset="0"/>
+              </a:rPr>
+              <a:t>(1, 2)</a:t>
+            </a:r>
+          </a:p>
+          <a:p>
+            <a:pPr>
+              <a:buFont typeface="Wingdings" pitchFamily="2" charset="2"/>
+              <a:buChar char="Ø"/>
+            </a:pPr>
+            <a:endParaRPr lang="en-US" dirty="0"/>
+          </a:p>
+          <a:p>
+            <a:pPr marL="0" indent="0">
+              <a:buNone/>
+            </a:pPr>
+            <a:r>
+              <a:rPr lang="en-US" dirty="0"/>
+              <a:t>If we want to save the output from the function, we need to set a new variable </a:t>
+            </a:r>
+          </a:p>
+          <a:p>
+            <a:pPr marL="0" indent="0">
+              <a:buNone/>
+            </a:pPr>
+            <a:r>
+              <a:rPr lang="en-US" dirty="0">
+                <a:latin typeface="Consolas" panose="020B0609020204030204" pitchFamily="49" charset="0"/>
+                <a:cs typeface="Consolas" panose="020B0609020204030204" pitchFamily="49" charset="0"/>
+              </a:rPr>
+              <a:t>&gt; output &lt;- </a:t>
+            </a:r>
+            <a:r>
+              <a:rPr lang="en-US" dirty="0" err="1">
+                <a:latin typeface="Consolas" panose="020B0609020204030204" pitchFamily="49" charset="0"/>
+                <a:cs typeface="Consolas" panose="020B0609020204030204" pitchFamily="49" charset="0"/>
+              </a:rPr>
+              <a:t>addtwo</a:t>
+            </a:r>
+            <a:r>
+              <a:rPr lang="en-US" dirty="0">
+                <a:latin typeface="Consolas" panose="020B0609020204030204" pitchFamily="49" charset="0"/>
+                <a:cs typeface="Consolas" panose="020B0609020204030204" pitchFamily="49" charset="0"/>
+              </a:rPr>
+              <a:t>(1, 2)</a:t>
+            </a:r>
+          </a:p>
+          <a:p>
+            <a:pPr marL="0" indent="0">
+              <a:buNone/>
+            </a:pPr>
+            <a:r>
+              <a:rPr lang="en-US" dirty="0">
+                <a:latin typeface="Consolas" panose="020B0609020204030204" pitchFamily="49" charset="0"/>
+                <a:cs typeface="Consolas" panose="020B0609020204030204" pitchFamily="49" charset="0"/>
+              </a:rPr>
+              <a:t>&gt; print(output)</a:t>
+            </a:r>
+          </a:p>
+          <a:p>
+            <a:pPr marL="0" indent="0">
+              <a:buNone/>
+            </a:pPr>
+            <a:endParaRPr lang="en-US" dirty="0"/>
+          </a:p>
+          <a:p>
+            <a:pPr marL="0" indent="0">
+              <a:buNone/>
+            </a:pPr>
+            <a:endParaRPr lang="en-US" dirty="0"/>
+          </a:p>
+        </p:txBody>
+      </p:sp>
+    </p:spTree>
+    <p:extLst>
+      <p:ext uri="{BB962C8B-B14F-4D97-AF65-F5344CB8AC3E}">
+        <p14:creationId xmlns:p14="http://schemas.microsoft.com/office/powerpoint/2010/main" val="414594792"/>
+      </p:ext>
+    </p:extLst>
+  </p:cSld>
+  <p:clrMapOvr>
+    <a:masterClrMapping/>
+  </p:clrMapOvr>
+</p:sld>
+</file>
+
+<file path=ppt/slides/slide28.xml><?xml version="1.0" encoding="utf-8"?>
+<p:sld xmlns:a="http://schemas.openxmlformats.org/drawingml/2006/main" xmlns:r="http://schemas.openxmlformats.org/officeDocument/2006/relationships" xmlns:p="http://schemas.openxmlformats.org/presentationml/2006/main">
+  <p:cSld>
+    <p:spTree>
+      <p:nvGrpSpPr>
+        <p:cNvPr id="1" name=""/>
+        <p:cNvGrpSpPr/>
+        <p:nvPr/>
+      </p:nvGrpSpPr>
+      <p:grpSpPr>
+        <a:xfrm>
+          <a:off x="0" y="0"/>
+          <a:ext cx="0" cy="0"/>
+          <a:chOff x="0" y="0"/>
+          <a:chExt cx="0" cy="0"/>
+        </a:xfrm>
+      </p:grpSpPr>
+      <p:sp>
+        <p:nvSpPr>
+          <p:cNvPr id="2" name="Title 1">
+            <a:extLst>
+              <a:ext uri="{FF2B5EF4-FFF2-40B4-BE49-F238E27FC236}">
+                <a16:creationId xmlns:a16="http://schemas.microsoft.com/office/drawing/2014/main" id="{2F8DFB54-9E6D-E54A-AF3D-71E5CF6147F4}"/>
+              </a:ext>
+            </a:extLst>
+          </p:cNvPr>
+          <p:cNvSpPr>
+            <a:spLocks noGrp="1"/>
+          </p:cNvSpPr>
+          <p:nvPr>
+            <p:ph type="title"/>
+          </p:nvPr>
+        </p:nvSpPr>
+        <p:spPr/>
+        <p:txBody>
+          <a:bodyPr/>
+          <a:lstStyle/>
+          <a:p>
+            <a:r>
+              <a:rPr lang="en-US" dirty="0"/>
+              <a:t>What about multiple outputs?</a:t>
+            </a:r>
+          </a:p>
+        </p:txBody>
+      </p:sp>
+      <p:sp>
+        <p:nvSpPr>
+          <p:cNvPr id="3" name="Content Placeholder 2">
+            <a:extLst>
+              <a:ext uri="{FF2B5EF4-FFF2-40B4-BE49-F238E27FC236}">
+                <a16:creationId xmlns:a16="http://schemas.microsoft.com/office/drawing/2014/main" id="{BCC7745A-EB4B-874F-809C-8916D9822B58}"/>
+              </a:ext>
+            </a:extLst>
+          </p:cNvPr>
+          <p:cNvSpPr>
+            <a:spLocks noGrp="1"/>
+          </p:cNvSpPr>
+          <p:nvPr>
+            <p:ph idx="1"/>
+          </p:nvPr>
+        </p:nvSpPr>
+        <p:spPr/>
+        <p:txBody>
+          <a:bodyPr>
+            <a:normAutofit fontScale="77500" lnSpcReduction="20000"/>
+          </a:bodyPr>
+          <a:lstStyle/>
+          <a:p>
+            <a:pPr marL="0" indent="0">
+              <a:buNone/>
+            </a:pPr>
+            <a:r>
+              <a:rPr lang="en-US" dirty="0"/>
+              <a:t>&gt; multitask &lt;- function(x) {</a:t>
+            </a:r>
+          </a:p>
+          <a:p>
+            <a:pPr marL="0" indent="0">
+              <a:buNone/>
+            </a:pPr>
+            <a:r>
+              <a:rPr lang="en-US" dirty="0"/>
+              <a:t>	if (x &gt; 100) {</a:t>
+            </a:r>
+          </a:p>
+          <a:p>
+            <a:pPr marL="0" indent="0">
+              <a:buNone/>
+            </a:pPr>
+            <a:r>
+              <a:rPr lang="en-US" dirty="0"/>
+              <a:t>		x &lt;- x / 2</a:t>
+            </a:r>
+          </a:p>
+          <a:p>
+            <a:pPr marL="0" indent="0">
+              <a:buNone/>
+            </a:pPr>
+            <a:r>
+              <a:rPr lang="en-US" dirty="0"/>
+              <a:t>		y &lt;- “large number”</a:t>
+            </a:r>
+          </a:p>
+          <a:p>
+            <a:pPr marL="0" indent="0">
+              <a:buNone/>
+            </a:pPr>
+            <a:r>
+              <a:rPr lang="en-US" dirty="0"/>
+              <a:t>	} else {</a:t>
+            </a:r>
+          </a:p>
+          <a:p>
+            <a:pPr marL="0" indent="0">
+              <a:buNone/>
+            </a:pPr>
+            <a:r>
+              <a:rPr lang="en-US" dirty="0"/>
+              <a:t>		y &lt;- “small number”</a:t>
+            </a:r>
+          </a:p>
+          <a:p>
+            <a:pPr marL="0" indent="0">
+              <a:buNone/>
+            </a:pPr>
+            <a:r>
+              <a:rPr lang="en-US" dirty="0"/>
+              <a:t>	}</a:t>
+            </a:r>
+          </a:p>
+          <a:p>
+            <a:pPr marL="0" indent="0">
+              <a:buNone/>
+            </a:pPr>
+            <a:r>
+              <a:rPr lang="en-US" dirty="0"/>
+              <a:t>	</a:t>
+            </a:r>
+            <a:r>
+              <a:rPr lang="en-US" dirty="0" err="1"/>
+              <a:t>output_array</a:t>
+            </a:r>
+            <a:r>
+              <a:rPr lang="en-US" dirty="0"/>
+              <a:t> &lt;- c(x, y)</a:t>
+            </a:r>
+          </a:p>
+          <a:p>
+            <a:pPr marL="0" indent="0">
+              <a:buNone/>
+            </a:pPr>
+            <a:r>
+              <a:rPr lang="en-US" dirty="0"/>
+              <a:t>	return(</a:t>
+            </a:r>
+            <a:r>
+              <a:rPr lang="en-US" dirty="0" err="1"/>
+              <a:t>output_array</a:t>
+            </a:r>
+            <a:r>
+              <a:rPr lang="en-US" dirty="0"/>
+              <a:t>)</a:t>
+            </a:r>
+          </a:p>
+          <a:p>
+            <a:pPr marL="0" indent="0">
+              <a:buNone/>
+            </a:pPr>
+            <a:r>
+              <a:rPr lang="en-US" dirty="0"/>
+              <a:t>}</a:t>
+            </a:r>
+          </a:p>
+          <a:p>
+            <a:pPr marL="0" indent="0">
+              <a:buNone/>
+            </a:pPr>
+            <a:r>
+              <a:rPr lang="en-US" dirty="0"/>
+              <a:t>&gt; multitask(1)</a:t>
+            </a:r>
+          </a:p>
+          <a:p>
+            <a:pPr marL="0" indent="0">
+              <a:buNone/>
+            </a:pPr>
+            <a:r>
+              <a:rPr lang="en-US" dirty="0"/>
+              <a:t>&gt; multitask(101)</a:t>
+            </a:r>
+          </a:p>
+        </p:txBody>
+      </p:sp>
+    </p:spTree>
+    <p:extLst>
+      <p:ext uri="{BB962C8B-B14F-4D97-AF65-F5344CB8AC3E}">
+        <p14:creationId xmlns:p14="http://schemas.microsoft.com/office/powerpoint/2010/main" val="1274899240"/>
+      </p:ext>
+    </p:extLst>
+  </p:cSld>
+  <p:clrMapOvr>
+    <a:masterClrMapping/>
+  </p:clrMapOvr>
+</p:sld>
+</file>
+
+<file path=ppt/slides/slide29.xml><?xml version="1.0" encoding="utf-8"?>
+<p:sld xmlns:a="http://schemas.openxmlformats.org/drawingml/2006/main" xmlns:r="http://schemas.openxmlformats.org/officeDocument/2006/relationships" xmlns:p="http://schemas.openxmlformats.org/presentationml/2006/main">
+  <p:cSld>
+    <p:spTree>
+      <p:nvGrpSpPr>
+        <p:cNvPr id="1" name=""/>
+        <p:cNvGrpSpPr/>
+        <p:nvPr/>
+      </p:nvGrpSpPr>
+      <p:grpSpPr>
+        <a:xfrm>
+          <a:off x="0" y="0"/>
+          <a:ext cx="0" cy="0"/>
+          <a:chOff x="0" y="0"/>
+          <a:chExt cx="0" cy="0"/>
+        </a:xfrm>
+      </p:grpSpPr>
+      <p:sp>
+        <p:nvSpPr>
+          <p:cNvPr id="2" name="Title 1">
+            <a:extLst>
+              <a:ext uri="{FF2B5EF4-FFF2-40B4-BE49-F238E27FC236}">
+                <a16:creationId xmlns:a16="http://schemas.microsoft.com/office/drawing/2014/main" id="{0A39C08B-80D1-9141-870B-042CE7866B66}"/>
+              </a:ext>
+            </a:extLst>
+          </p:cNvPr>
+          <p:cNvSpPr>
+            <a:spLocks noGrp="1"/>
+          </p:cNvSpPr>
+          <p:nvPr>
+            <p:ph type="title"/>
+          </p:nvPr>
+        </p:nvSpPr>
+        <p:spPr/>
+        <p:txBody>
+          <a:bodyPr/>
+          <a:lstStyle/>
+          <a:p>
+            <a:r>
+              <a:rPr lang="en-US" dirty="0"/>
+              <a:t>How about saving multiple outputs?</a:t>
+            </a:r>
+          </a:p>
+        </p:txBody>
+      </p:sp>
+      <p:sp>
+        <p:nvSpPr>
+          <p:cNvPr id="3" name="Content Placeholder 2">
+            <a:extLst>
+              <a:ext uri="{FF2B5EF4-FFF2-40B4-BE49-F238E27FC236}">
+                <a16:creationId xmlns:a16="http://schemas.microsoft.com/office/drawing/2014/main" id="{B4561437-DA77-EE4C-853C-8B079C6B6DB6}"/>
+              </a:ext>
+            </a:extLst>
+          </p:cNvPr>
+          <p:cNvSpPr>
+            <a:spLocks noGrp="1"/>
+          </p:cNvSpPr>
+          <p:nvPr>
+            <p:ph idx="1"/>
+          </p:nvPr>
+        </p:nvSpPr>
+        <p:spPr/>
+        <p:txBody>
+          <a:bodyPr/>
+          <a:lstStyle/>
+          <a:p>
+            <a:r>
+              <a:rPr lang="en-US" dirty="0"/>
+              <a:t>R only allows for returning one object from a function, so we have to pass out an array of all the output values</a:t>
+            </a:r>
+          </a:p>
+          <a:p>
+            <a:pPr marL="0" indent="0">
+              <a:buNone/>
+            </a:pPr>
+            <a:r>
+              <a:rPr lang="en-US" dirty="0">
+                <a:latin typeface="Consolas" panose="020B0609020204030204" pitchFamily="49" charset="0"/>
+                <a:cs typeface="Consolas" panose="020B0609020204030204" pitchFamily="49" charset="0"/>
+              </a:rPr>
+              <a:t>&gt; outputs &lt;- multitask(101)</a:t>
+            </a:r>
+          </a:p>
+          <a:p>
+            <a:pPr marL="0" indent="0">
+              <a:buNone/>
+            </a:pPr>
+            <a:r>
+              <a:rPr lang="en-US" dirty="0">
+                <a:latin typeface="Consolas" panose="020B0609020204030204" pitchFamily="49" charset="0"/>
+                <a:cs typeface="Consolas" panose="020B0609020204030204" pitchFamily="49" charset="0"/>
+              </a:rPr>
+              <a:t>&gt; outputs[1]</a:t>
+            </a:r>
+          </a:p>
+          <a:p>
+            <a:pPr marL="0" indent="0">
+              <a:buNone/>
+            </a:pPr>
+            <a:r>
+              <a:rPr lang="en-US" dirty="0">
+                <a:latin typeface="Consolas" panose="020B0609020204030204" pitchFamily="49" charset="0"/>
+                <a:cs typeface="Consolas" panose="020B0609020204030204" pitchFamily="49" charset="0"/>
+              </a:rPr>
+              <a:t>&gt; outputs[2]</a:t>
+            </a:r>
+          </a:p>
+        </p:txBody>
+      </p:sp>
+    </p:spTree>
+    <p:extLst>
+      <p:ext uri="{BB962C8B-B14F-4D97-AF65-F5344CB8AC3E}">
+        <p14:creationId xmlns:p14="http://schemas.microsoft.com/office/powerpoint/2010/main" val="1440154419"/>
+      </p:ext>
+    </p:extLst>
+  </p:cSld>
+  <p:clrMapOvr>
+    <a:masterClrMapping/>
+  </p:clrMapOvr>
+</p:sld>
+</file>
+
+<file path=ppt/slides/slide3.xml><?xml version="1.0" encoding="utf-8"?>
+<p:sld xmlns:a="http://schemas.openxmlformats.org/drawingml/2006/main" xmlns:r="http://schemas.openxmlformats.org/officeDocument/2006/relationships" xmlns:p="http://schemas.openxmlformats.org/presentationml/2006/main">
+  <p:cSld>
+    <p:spTree>
+      <p:nvGrpSpPr>
+        <p:cNvPr id="1" name=""/>
+        <p:cNvGrpSpPr/>
+        <p:nvPr/>
+      </p:nvGrpSpPr>
+      <p:grpSpPr>
+        <a:xfrm>
+          <a:off x="0" y="0"/>
+          <a:ext cx="0" cy="0"/>
+          <a:chOff x="0" y="0"/>
+          <a:chExt cx="0" cy="0"/>
+        </a:xfrm>
+      </p:grpSpPr>
+      <p:sp>
+        <p:nvSpPr>
+          <p:cNvPr id="2" name="Title 1">
+            <a:extLst>
+              <a:ext uri="{FF2B5EF4-FFF2-40B4-BE49-F238E27FC236}">
+                <a16:creationId xmlns:a16="http://schemas.microsoft.com/office/drawing/2014/main" id="{818BBE23-A3D2-F148-9ABB-824D3E23FB6F}"/>
+              </a:ext>
+            </a:extLst>
+          </p:cNvPr>
+          <p:cNvSpPr>
+            <a:spLocks noGrp="1"/>
+          </p:cNvSpPr>
+          <p:nvPr>
+            <p:ph type="title"/>
+          </p:nvPr>
+        </p:nvSpPr>
+        <p:spPr/>
+        <p:txBody>
+          <a:bodyPr/>
+          <a:lstStyle/>
+          <a:p>
+            <a:r>
+              <a:rPr lang="en-US" dirty="0"/>
+              <a:t>Downloading RStudio</a:t>
+            </a:r>
+          </a:p>
+        </p:txBody>
+      </p:sp>
+      <p:pic>
+        <p:nvPicPr>
+          <p:cNvPr id="5" name="Content Placeholder 4">
+            <a:extLst>
+              <a:ext uri="{FF2B5EF4-FFF2-40B4-BE49-F238E27FC236}">
+                <a16:creationId xmlns:a16="http://schemas.microsoft.com/office/drawing/2014/main" id="{CE93F722-FED3-4C45-89DA-06539F777EBD}"/>
+              </a:ext>
+            </a:extLst>
+          </p:cNvPr>
+          <p:cNvPicPr>
+            <a:picLocks noGrp="1" noChangeAspect="1"/>
+          </p:cNvPicPr>
+          <p:nvPr>
+            <p:ph idx="1"/>
+          </p:nvPr>
+        </p:nvPicPr>
+        <p:blipFill>
+          <a:blip r:embed="rId2"/>
+          <a:stretch>
+            <a:fillRect/>
+          </a:stretch>
+        </p:blipFill>
+        <p:spPr>
+          <a:xfrm>
+            <a:off x="2957058" y="1825625"/>
+            <a:ext cx="6277884" cy="4351338"/>
+          </a:xfrm>
+        </p:spPr>
+      </p:pic>
+    </p:spTree>
+    <p:extLst>
+      <p:ext uri="{BB962C8B-B14F-4D97-AF65-F5344CB8AC3E}">
+        <p14:creationId xmlns:p14="http://schemas.microsoft.com/office/powerpoint/2010/main" val="688690648"/>
+      </p:ext>
+    </p:extLst>
+  </p:cSld>
+  <p:clrMapOvr>
+    <a:masterClrMapping/>
+  </p:clrMapOvr>
+</p:sld>
+</file>
+
+<file path=ppt/slides/slide30.xml><?xml version="1.0" encoding="utf-8"?>
+<p:sld xmlns:a="http://schemas.openxmlformats.org/drawingml/2006/main" xmlns:r="http://schemas.openxmlformats.org/officeDocument/2006/relationships" xmlns:p="http://schemas.openxmlformats.org/presentationml/2006/main">
+  <p:cSld>
+    <p:spTree>
+      <p:nvGrpSpPr>
+        <p:cNvPr id="1" name=""/>
+        <p:cNvGrpSpPr/>
+        <p:nvPr/>
+      </p:nvGrpSpPr>
+      <p:grpSpPr>
+        <a:xfrm>
+          <a:off x="0" y="0"/>
+          <a:ext cx="0" cy="0"/>
+          <a:chOff x="0" y="0"/>
+          <a:chExt cx="0" cy="0"/>
+        </a:xfrm>
+      </p:grpSpPr>
+      <p:sp>
+        <p:nvSpPr>
+          <p:cNvPr id="2" name="Title 1">
+            <a:extLst>
+              <a:ext uri="{FF2B5EF4-FFF2-40B4-BE49-F238E27FC236}">
+                <a16:creationId xmlns:a16="http://schemas.microsoft.com/office/drawing/2014/main" id="{2EE94219-CD83-CB44-83B7-3C55D1482901}"/>
+              </a:ext>
+            </a:extLst>
+          </p:cNvPr>
+          <p:cNvSpPr>
+            <a:spLocks noGrp="1"/>
+          </p:cNvSpPr>
+          <p:nvPr>
+            <p:ph type="title"/>
+          </p:nvPr>
+        </p:nvSpPr>
+        <p:spPr/>
+        <p:txBody>
+          <a:bodyPr/>
+          <a:lstStyle/>
+          <a:p>
+            <a:r>
+              <a:rPr lang="en-US" dirty="0"/>
+              <a:t>Writing a library of your own functions</a:t>
+            </a:r>
+          </a:p>
+        </p:txBody>
+      </p:sp>
+      <p:sp>
+        <p:nvSpPr>
+          <p:cNvPr id="3" name="Content Placeholder 2">
+            <a:extLst>
+              <a:ext uri="{FF2B5EF4-FFF2-40B4-BE49-F238E27FC236}">
+                <a16:creationId xmlns:a16="http://schemas.microsoft.com/office/drawing/2014/main" id="{1E230BA2-3513-2B46-8E3F-1A20C97E2648}"/>
+              </a:ext>
+            </a:extLst>
+          </p:cNvPr>
+          <p:cNvSpPr>
+            <a:spLocks noGrp="1"/>
+          </p:cNvSpPr>
+          <p:nvPr>
+            <p:ph idx="1"/>
+          </p:nvPr>
+        </p:nvSpPr>
+        <p:spPr/>
+        <p:txBody>
+          <a:bodyPr/>
+          <a:lstStyle/>
+          <a:p>
+            <a:r>
+              <a:rPr lang="en-US" dirty="0"/>
+              <a:t>Save functions to a file ending in “.r”</a:t>
+            </a:r>
+          </a:p>
+          <a:p>
+            <a:r>
+              <a:rPr lang="en-US" dirty="0"/>
+              <a:t>Run:</a:t>
+            </a:r>
+          </a:p>
+          <a:p>
+            <a:pPr marL="0" indent="0">
+              <a:buNone/>
+            </a:pPr>
+            <a:r>
+              <a:rPr lang="en-US" dirty="0">
+                <a:latin typeface="Consolas" panose="020B0609020204030204" pitchFamily="49" charset="0"/>
+                <a:cs typeface="Consolas" panose="020B0609020204030204" pitchFamily="49" charset="0"/>
+              </a:rPr>
+              <a:t>&gt; </a:t>
+            </a:r>
+            <a:r>
+              <a:rPr lang="en-US" dirty="0" err="1">
+                <a:latin typeface="Consolas" panose="020B0609020204030204" pitchFamily="49" charset="0"/>
+                <a:cs typeface="Consolas" panose="020B0609020204030204" pitchFamily="49" charset="0"/>
+              </a:rPr>
+              <a:t>setwd</a:t>
+            </a:r>
+            <a:r>
+              <a:rPr lang="en-US" dirty="0">
+                <a:latin typeface="Consolas" panose="020B0609020204030204" pitchFamily="49" charset="0"/>
+                <a:cs typeface="Consolas" panose="020B0609020204030204" pitchFamily="49" charset="0"/>
+              </a:rPr>
+              <a:t>(“~/Desktop/”)     </a:t>
+            </a:r>
+            <a:r>
+              <a:rPr lang="en-US" sz="1800" dirty="0">
+                <a:latin typeface="Consolas" panose="020B0609020204030204" pitchFamily="49" charset="0"/>
+                <a:cs typeface="Consolas" panose="020B0609020204030204" pitchFamily="49" charset="0"/>
+              </a:rPr>
+              <a:t># or where ever the </a:t>
+            </a:r>
+            <a:r>
+              <a:rPr lang="en-US" sz="1800" dirty="0" err="1">
+                <a:latin typeface="Consolas" panose="020B0609020204030204" pitchFamily="49" charset="0"/>
+                <a:cs typeface="Consolas" panose="020B0609020204030204" pitchFamily="49" charset="0"/>
+              </a:rPr>
+              <a:t>hello.r</a:t>
+            </a:r>
+            <a:r>
+              <a:rPr lang="en-US" sz="1800" dirty="0">
+                <a:latin typeface="Consolas" panose="020B0609020204030204" pitchFamily="49" charset="0"/>
+                <a:cs typeface="Consolas" panose="020B0609020204030204" pitchFamily="49" charset="0"/>
+              </a:rPr>
+              <a:t> script is </a:t>
+            </a:r>
+            <a:endParaRPr lang="en-US" dirty="0">
+              <a:latin typeface="Consolas" panose="020B0609020204030204" pitchFamily="49" charset="0"/>
+              <a:cs typeface="Consolas" panose="020B0609020204030204" pitchFamily="49" charset="0"/>
+            </a:endParaRPr>
+          </a:p>
+          <a:p>
+            <a:pPr marL="0" indent="0">
+              <a:buNone/>
+            </a:pPr>
+            <a:r>
+              <a:rPr lang="en-US" dirty="0">
+                <a:latin typeface="Consolas" panose="020B0609020204030204" pitchFamily="49" charset="0"/>
+                <a:cs typeface="Consolas" panose="020B0609020204030204" pitchFamily="49" charset="0"/>
+              </a:rPr>
+              <a:t>&gt; source(“</a:t>
+            </a:r>
+            <a:r>
+              <a:rPr lang="en-US" dirty="0" err="1">
+                <a:latin typeface="Consolas" panose="020B0609020204030204" pitchFamily="49" charset="0"/>
+                <a:cs typeface="Consolas" panose="020B0609020204030204" pitchFamily="49" charset="0"/>
+              </a:rPr>
+              <a:t>custom.r</a:t>
+            </a:r>
+            <a:r>
+              <a:rPr lang="en-US" dirty="0">
+                <a:latin typeface="Consolas" panose="020B0609020204030204" pitchFamily="49" charset="0"/>
+                <a:cs typeface="Consolas" panose="020B0609020204030204" pitchFamily="49" charset="0"/>
+              </a:rPr>
+              <a:t>”)</a:t>
+            </a:r>
+          </a:p>
+          <a:p>
+            <a:pPr marL="0" indent="0">
+              <a:buNone/>
+            </a:pPr>
+            <a:r>
+              <a:rPr lang="en-US" dirty="0">
+                <a:latin typeface="Consolas" panose="020B0609020204030204" pitchFamily="49" charset="0"/>
+                <a:cs typeface="Consolas" panose="020B0609020204030204" pitchFamily="49" charset="0"/>
+              </a:rPr>
+              <a:t>&gt; </a:t>
+            </a:r>
+            <a:r>
+              <a:rPr lang="en-US" dirty="0" err="1">
+                <a:latin typeface="Consolas" panose="020B0609020204030204" pitchFamily="49" charset="0"/>
+                <a:cs typeface="Consolas" panose="020B0609020204030204" pitchFamily="49" charset="0"/>
+              </a:rPr>
+              <a:t>sayHello</a:t>
+            </a:r>
+            <a:r>
+              <a:rPr lang="en-US" dirty="0">
+                <a:latin typeface="Consolas" panose="020B0609020204030204" pitchFamily="49" charset="0"/>
+                <a:cs typeface="Consolas" panose="020B0609020204030204" pitchFamily="49" charset="0"/>
+              </a:rPr>
+              <a:t>()</a:t>
+            </a:r>
+          </a:p>
+        </p:txBody>
+      </p:sp>
+    </p:spTree>
+    <p:extLst>
+      <p:ext uri="{BB962C8B-B14F-4D97-AF65-F5344CB8AC3E}">
+        <p14:creationId xmlns:p14="http://schemas.microsoft.com/office/powerpoint/2010/main" val="1259976554"/>
+      </p:ext>
+    </p:extLst>
+  </p:cSld>
+  <p:clrMapOvr>
+    <a:masterClrMapping/>
+  </p:clrMapOvr>
+</p:sld>
+</file>
+
+<file path=ppt/slides/slide31.xml><?xml version="1.0" encoding="utf-8"?>
+<p:sld xmlns:a="http://schemas.openxmlformats.org/drawingml/2006/main" xmlns:r="http://schemas.openxmlformats.org/officeDocument/2006/relationships" xmlns:p="http://schemas.openxmlformats.org/presentationml/2006/main">
+  <p:cSld>
+    <p:spTree>
+      <p:nvGrpSpPr>
+        <p:cNvPr id="1" name=""/>
+        <p:cNvGrpSpPr/>
+        <p:nvPr/>
+      </p:nvGrpSpPr>
+      <p:grpSpPr>
+        <a:xfrm>
+          <a:off x="0" y="0"/>
+          <a:ext cx="0" cy="0"/>
+          <a:chOff x="0" y="0"/>
+          <a:chExt cx="0" cy="0"/>
+        </a:xfrm>
+      </p:grpSpPr>
+      <p:sp>
+        <p:nvSpPr>
+          <p:cNvPr id="2" name="Title 1">
+            <a:extLst>
+              <a:ext uri="{FF2B5EF4-FFF2-40B4-BE49-F238E27FC236}">
+                <a16:creationId xmlns:a16="http://schemas.microsoft.com/office/drawing/2014/main" id="{214244A6-867D-C044-91B9-C0B517C1C70F}"/>
+              </a:ext>
+            </a:extLst>
+          </p:cNvPr>
+          <p:cNvSpPr>
+            <a:spLocks noGrp="1"/>
+          </p:cNvSpPr>
+          <p:nvPr>
+            <p:ph type="title"/>
+          </p:nvPr>
+        </p:nvSpPr>
+        <p:spPr/>
+        <p:txBody>
+          <a:bodyPr/>
+          <a:lstStyle/>
+          <a:p>
+            <a:r>
+              <a:rPr lang="en-US" dirty="0"/>
+              <a:t>Homework</a:t>
+            </a:r>
+          </a:p>
+        </p:txBody>
+      </p:sp>
+      <p:sp>
+        <p:nvSpPr>
+          <p:cNvPr id="3" name="Content Placeholder 2">
+            <a:extLst>
+              <a:ext uri="{FF2B5EF4-FFF2-40B4-BE49-F238E27FC236}">
+                <a16:creationId xmlns:a16="http://schemas.microsoft.com/office/drawing/2014/main" id="{CC2AB957-4C2E-AA4C-A9A9-44F9B585BCCC}"/>
+              </a:ext>
+            </a:extLst>
+          </p:cNvPr>
+          <p:cNvSpPr>
+            <a:spLocks noGrp="1"/>
+          </p:cNvSpPr>
+          <p:nvPr>
+            <p:ph idx="1"/>
+          </p:nvPr>
+        </p:nvSpPr>
+        <p:spPr/>
+        <p:txBody>
+          <a:bodyPr>
+            <a:normAutofit fontScale="92500" lnSpcReduction="10000"/>
+          </a:bodyPr>
+          <a:lstStyle/>
+          <a:p>
+            <a:r>
+              <a:rPr lang="en-US" dirty="0"/>
+              <a:t>Write an R script with the following functions (a separate function for each task:</a:t>
+            </a:r>
+          </a:p>
+          <a:p>
+            <a:pPr marL="914400" lvl="1" indent="-457200">
+              <a:buFont typeface="+mj-lt"/>
+              <a:buAutoNum type="arabicPeriod"/>
+            </a:pPr>
+            <a:r>
+              <a:rPr lang="en-US" dirty="0"/>
+              <a:t>Print “Hello world”</a:t>
+            </a:r>
+          </a:p>
+          <a:p>
+            <a:pPr marL="914400" lvl="1" indent="-457200">
+              <a:buFont typeface="+mj-lt"/>
+              <a:buAutoNum type="arabicPeriod"/>
+            </a:pPr>
+            <a:r>
+              <a:rPr lang="en-US" dirty="0"/>
+              <a:t>Print “Goodbye world”</a:t>
+            </a:r>
+          </a:p>
+          <a:p>
+            <a:pPr marL="914400" lvl="1" indent="-457200">
+              <a:buFont typeface="+mj-lt"/>
+              <a:buAutoNum type="arabicPeriod"/>
+            </a:pPr>
+            <a:r>
+              <a:rPr lang="en-US" dirty="0"/>
+              <a:t>Take a user input and add 5. If the output if over 10, return 10, else return the modified input value </a:t>
+            </a:r>
+          </a:p>
+          <a:p>
+            <a:pPr marL="914400" lvl="1" indent="-457200">
+              <a:buFont typeface="+mj-lt"/>
+              <a:buAutoNum type="arabicPeriod"/>
+            </a:pPr>
+            <a:r>
+              <a:rPr lang="en-US" dirty="0"/>
+              <a:t>Take a user input and print “100” if input is less than 100, “200” if input is between 100 and 200, “300” if input is between 200 and 300, or “other” for anything else</a:t>
+            </a:r>
+          </a:p>
+          <a:p>
+            <a:pPr marL="914400" lvl="1" indent="-457200">
+              <a:buFont typeface="+mj-lt"/>
+              <a:buAutoNum type="arabicPeriod"/>
+            </a:pPr>
+            <a:r>
+              <a:rPr lang="en-US" dirty="0"/>
+              <a:t>Print a list of values, each time pre-pended with “value #:” where # is the position in the list of that value being printed</a:t>
+            </a:r>
+          </a:p>
+          <a:p>
+            <a:r>
+              <a:rPr lang="en-US" dirty="0"/>
+              <a:t>Run these functions with various inputs that will give all possible outputs and save these commands to a txt file.</a:t>
+            </a:r>
+          </a:p>
+        </p:txBody>
+      </p:sp>
+    </p:spTree>
+    <p:extLst>
+      <p:ext uri="{BB962C8B-B14F-4D97-AF65-F5344CB8AC3E}">
+        <p14:creationId xmlns:p14="http://schemas.microsoft.com/office/powerpoint/2010/main" val="2377894860"/>
+      </p:ext>
+    </p:extLst>
+  </p:cSld>
+  <p:clrMapOvr>
+    <a:masterClrMapping/>
+  </p:clrMapOvr>
+</p:sld>
+</file>
+
+<file path=ppt/slides/slide4.xml><?xml version="1.0" encoding="utf-8"?>
+<p:sld xmlns:a="http://schemas.openxmlformats.org/drawingml/2006/main" xmlns:r="http://schemas.openxmlformats.org/officeDocument/2006/relationships" xmlns:p="http://schemas.openxmlformats.org/presentationml/2006/main">
+  <p:cSld>
+    <p:spTree>
+      <p:nvGrpSpPr>
+        <p:cNvPr id="1" name=""/>
+        <p:cNvGrpSpPr/>
+        <p:nvPr/>
+      </p:nvGrpSpPr>
+      <p:grpSpPr>
+        <a:xfrm>
+          <a:off x="0" y="0"/>
+          <a:ext cx="0" cy="0"/>
+          <a:chOff x="0" y="0"/>
+          <a:chExt cx="0" cy="0"/>
+        </a:xfrm>
+      </p:grpSpPr>
+      <p:sp>
+        <p:nvSpPr>
+          <p:cNvPr id="2" name="Title 1">
+            <a:extLst>
+              <a:ext uri="{FF2B5EF4-FFF2-40B4-BE49-F238E27FC236}">
+                <a16:creationId xmlns:a16="http://schemas.microsoft.com/office/drawing/2014/main" id="{F4F8CA96-DE52-B842-8E1F-CB034507CDA8}"/>
+              </a:ext>
+            </a:extLst>
+          </p:cNvPr>
+          <p:cNvSpPr>
+            <a:spLocks noGrp="1"/>
+          </p:cNvSpPr>
+          <p:nvPr>
+            <p:ph type="title"/>
+          </p:nvPr>
+        </p:nvSpPr>
+        <p:spPr/>
+        <p:txBody>
+          <a:bodyPr/>
+          <a:lstStyle/>
+          <a:p>
+            <a:r>
+              <a:rPr lang="en-US" dirty="0"/>
+              <a:t>Using RStudio</a:t>
+            </a:r>
+          </a:p>
+        </p:txBody>
+      </p:sp>
+      <p:pic>
+        <p:nvPicPr>
+          <p:cNvPr id="5" name="Content Placeholder 4">
+            <a:extLst>
+              <a:ext uri="{FF2B5EF4-FFF2-40B4-BE49-F238E27FC236}">
+                <a16:creationId xmlns:a16="http://schemas.microsoft.com/office/drawing/2014/main" id="{DD0195DE-2A8C-3845-971C-99F1F6F4E079}"/>
+              </a:ext>
+            </a:extLst>
+          </p:cNvPr>
+          <p:cNvPicPr>
+            <a:picLocks noGrp="1" noChangeAspect="1"/>
+          </p:cNvPicPr>
+          <p:nvPr>
+            <p:ph idx="1"/>
+          </p:nvPr>
+        </p:nvPicPr>
+        <p:blipFill>
+          <a:blip r:embed="rId2"/>
+          <a:stretch>
+            <a:fillRect/>
+          </a:stretch>
+        </p:blipFill>
+        <p:spPr>
+          <a:xfrm>
+            <a:off x="3059805" y="1825625"/>
+            <a:ext cx="6072389" cy="4351338"/>
+          </a:xfrm>
+        </p:spPr>
+      </p:pic>
+      <p:sp>
+        <p:nvSpPr>
+          <p:cNvPr id="6" name="TextBox 5">
+            <a:extLst>
+              <a:ext uri="{FF2B5EF4-FFF2-40B4-BE49-F238E27FC236}">
+                <a16:creationId xmlns:a16="http://schemas.microsoft.com/office/drawing/2014/main" id="{CD86D07B-9FEE-D548-BB99-0915C43985FA}"/>
+              </a:ext>
+            </a:extLst>
+          </p:cNvPr>
+          <p:cNvSpPr txBox="1"/>
+          <p:nvPr/>
+        </p:nvSpPr>
+        <p:spPr>
+          <a:xfrm>
+            <a:off x="294290" y="5807631"/>
+            <a:ext cx="2544351" cy="369332"/>
+          </a:xfrm>
+          <a:prstGeom prst="rect">
+            <a:avLst/>
+          </a:prstGeom>
+          <a:noFill/>
+        </p:spPr>
+        <p:txBody>
+          <a:bodyPr wrap="none" rtlCol="0">
+            <a:spAutoFit/>
+          </a:bodyPr>
+          <a:lstStyle/>
+          <a:p>
+            <a:r>
+              <a:rPr lang="en-US" dirty="0"/>
+              <a:t>Enter commands here -&gt; </a:t>
+            </a:r>
+          </a:p>
+        </p:txBody>
+      </p:sp>
+      <p:sp>
+        <p:nvSpPr>
+          <p:cNvPr id="7" name="TextBox 6">
+            <a:extLst>
+              <a:ext uri="{FF2B5EF4-FFF2-40B4-BE49-F238E27FC236}">
+                <a16:creationId xmlns:a16="http://schemas.microsoft.com/office/drawing/2014/main" id="{1E0A00C1-1C79-3942-B5E4-9AD3AE650310}"/>
+              </a:ext>
+            </a:extLst>
+          </p:cNvPr>
+          <p:cNvSpPr txBox="1"/>
+          <p:nvPr/>
+        </p:nvSpPr>
+        <p:spPr>
+          <a:xfrm>
+            <a:off x="621078" y="2291920"/>
+            <a:ext cx="1890774" cy="369332"/>
+          </a:xfrm>
+          <a:prstGeom prst="rect">
+            <a:avLst/>
+          </a:prstGeom>
+          <a:noFill/>
+        </p:spPr>
+        <p:txBody>
+          <a:bodyPr wrap="none" rtlCol="0">
+            <a:spAutoFit/>
+          </a:bodyPr>
+          <a:lstStyle/>
+          <a:p>
+            <a:r>
+              <a:rPr lang="en-US" dirty="0"/>
+              <a:t>View data here -&gt; </a:t>
+            </a:r>
+          </a:p>
+        </p:txBody>
+      </p:sp>
+      <p:sp>
+        <p:nvSpPr>
+          <p:cNvPr id="8" name="TextBox 7">
+            <a:extLst>
+              <a:ext uri="{FF2B5EF4-FFF2-40B4-BE49-F238E27FC236}">
+                <a16:creationId xmlns:a16="http://schemas.microsoft.com/office/drawing/2014/main" id="{C11DF5F7-9BE9-C149-BA04-E3E0817C6CDE}"/>
+              </a:ext>
+            </a:extLst>
+          </p:cNvPr>
+          <p:cNvSpPr txBox="1"/>
+          <p:nvPr/>
+        </p:nvSpPr>
+        <p:spPr>
+          <a:xfrm>
+            <a:off x="9511862" y="2476586"/>
+            <a:ext cx="2147126" cy="646331"/>
+          </a:xfrm>
+          <a:prstGeom prst="rect">
+            <a:avLst/>
+          </a:prstGeom>
+          <a:noFill/>
+        </p:spPr>
+        <p:txBody>
+          <a:bodyPr wrap="none" rtlCol="0">
+            <a:spAutoFit/>
+          </a:bodyPr>
+          <a:lstStyle/>
+          <a:p>
+            <a:r>
+              <a:rPr lang="en-US" dirty="0"/>
+              <a:t>&lt;- View environment</a:t>
+            </a:r>
+          </a:p>
+          <a:p>
+            <a:r>
+              <a:rPr lang="en-US" dirty="0"/>
+              <a:t>variables here</a:t>
+            </a:r>
+          </a:p>
+        </p:txBody>
+      </p:sp>
+      <p:sp>
+        <p:nvSpPr>
+          <p:cNvPr id="9" name="TextBox 8">
+            <a:extLst>
+              <a:ext uri="{FF2B5EF4-FFF2-40B4-BE49-F238E27FC236}">
+                <a16:creationId xmlns:a16="http://schemas.microsoft.com/office/drawing/2014/main" id="{F29D954F-4710-DB4E-B10B-4158EE6B88F7}"/>
+              </a:ext>
+            </a:extLst>
+          </p:cNvPr>
+          <p:cNvSpPr txBox="1"/>
+          <p:nvPr/>
+        </p:nvSpPr>
+        <p:spPr>
+          <a:xfrm>
+            <a:off x="9353358" y="3678128"/>
+            <a:ext cx="2413289" cy="646331"/>
+          </a:xfrm>
+          <a:prstGeom prst="rect">
+            <a:avLst/>
+          </a:prstGeom>
+          <a:noFill/>
+        </p:spPr>
+        <p:txBody>
+          <a:bodyPr wrap="none" rtlCol="0">
+            <a:spAutoFit/>
+          </a:bodyPr>
+          <a:lstStyle/>
+          <a:p>
+            <a:r>
+              <a:rPr lang="en-US" dirty="0"/>
+              <a:t>&lt;- View files, plots, and </a:t>
+            </a:r>
+          </a:p>
+          <a:p>
+            <a:r>
+              <a:rPr lang="en-US" dirty="0"/>
+              <a:t>help menus</a:t>
+            </a:r>
+          </a:p>
+        </p:txBody>
+      </p:sp>
+    </p:spTree>
+    <p:extLst>
+      <p:ext uri="{BB962C8B-B14F-4D97-AF65-F5344CB8AC3E}">
+        <p14:creationId xmlns:p14="http://schemas.microsoft.com/office/powerpoint/2010/main" val="3093539478"/>
+      </p:ext>
+    </p:extLst>
+  </p:cSld>
+  <p:clrMapOvr>
+    <a:masterClrMapping/>
+  </p:clrMapOvr>
+</p:sld>
+</file>
+
+<file path=ppt/slides/slide5.xml><?xml version="1.0" encoding="utf-8"?>
+<p:sld xmlns:a="http://schemas.openxmlformats.org/drawingml/2006/main" xmlns:r="http://schemas.openxmlformats.org/officeDocument/2006/relationships" xmlns:p="http://schemas.openxmlformats.org/presentationml/2006/main">
+  <p:cSld>
+    <p:spTree>
+      <p:nvGrpSpPr>
+        <p:cNvPr id="1" name=""/>
+        <p:cNvGrpSpPr/>
+        <p:nvPr/>
+      </p:nvGrpSpPr>
+      <p:grpSpPr>
+        <a:xfrm>
+          <a:off x="0" y="0"/>
+          <a:ext cx="0" cy="0"/>
+          <a:chOff x="0" y="0"/>
+          <a:chExt cx="0" cy="0"/>
+        </a:xfrm>
+      </p:grpSpPr>
+      <p:sp>
+        <p:nvSpPr>
+          <p:cNvPr id="2" name="Title 1">
+            <a:extLst>
+              <a:ext uri="{FF2B5EF4-FFF2-40B4-BE49-F238E27FC236}">
+                <a16:creationId xmlns:a16="http://schemas.microsoft.com/office/drawing/2014/main" id="{46DD39BB-8409-574D-9E41-1CF2467C5BA9}"/>
+              </a:ext>
+            </a:extLst>
+          </p:cNvPr>
+          <p:cNvSpPr>
+            <a:spLocks noGrp="1"/>
+          </p:cNvSpPr>
+          <p:nvPr>
+            <p:ph type="title"/>
+          </p:nvPr>
+        </p:nvSpPr>
+        <p:spPr/>
+        <p:txBody>
+          <a:bodyPr/>
+          <a:lstStyle/>
+          <a:p>
+            <a:r>
+              <a:rPr lang="en-US" dirty="0"/>
+              <a:t>Integers</a:t>
+            </a:r>
+          </a:p>
+        </p:txBody>
+      </p:sp>
+      <p:sp>
+        <p:nvSpPr>
+          <p:cNvPr id="3" name="Content Placeholder 2">
+            <a:extLst>
+              <a:ext uri="{FF2B5EF4-FFF2-40B4-BE49-F238E27FC236}">
+                <a16:creationId xmlns:a16="http://schemas.microsoft.com/office/drawing/2014/main" id="{F4945D61-B3CB-4F43-9B37-37BCA8EC5606}"/>
+              </a:ext>
+            </a:extLst>
+          </p:cNvPr>
+          <p:cNvSpPr>
+            <a:spLocks noGrp="1"/>
+          </p:cNvSpPr>
+          <p:nvPr>
+            <p:ph idx="1"/>
+          </p:nvPr>
+        </p:nvSpPr>
+        <p:spPr/>
+        <p:txBody>
+          <a:bodyPr>
+            <a:normAutofit/>
+          </a:bodyPr>
+          <a:lstStyle/>
+          <a:p>
+            <a:r>
+              <a:rPr lang="en-US" dirty="0"/>
+              <a:t>Numeric types refer to the precision of the value</a:t>
+            </a:r>
+          </a:p>
+          <a:p>
+            <a:r>
+              <a:rPr lang="en-US" dirty="0"/>
+              <a:t>Integers: whole numbers</a:t>
+            </a:r>
+          </a:p>
+          <a:p>
+            <a:pPr marL="0" indent="0">
+              <a:buNone/>
+            </a:pPr>
+            <a:r>
+              <a:rPr lang="en-US" dirty="0">
+                <a:latin typeface="Consolas" panose="020B0609020204030204" pitchFamily="49" charset="0"/>
+                <a:cs typeface="Consolas" panose="020B0609020204030204" pitchFamily="49" charset="0"/>
+              </a:rPr>
+              <a:t>&gt; x &lt;- 1</a:t>
+            </a:r>
+          </a:p>
+          <a:p>
+            <a:pPr marL="0" indent="0">
+              <a:buNone/>
+            </a:pPr>
+            <a:r>
+              <a:rPr lang="en-US" dirty="0">
+                <a:latin typeface="Consolas" panose="020B0609020204030204" pitchFamily="49" charset="0"/>
+                <a:cs typeface="Consolas" panose="020B0609020204030204" pitchFamily="49" charset="0"/>
+              </a:rPr>
+              <a:t>&gt; type(x)</a:t>
+            </a:r>
+          </a:p>
+          <a:p>
+            <a:pPr marL="0" indent="0">
+              <a:buNone/>
+            </a:pPr>
+            <a:r>
+              <a:rPr lang="en-US" dirty="0">
+                <a:latin typeface="Consolas" panose="020B0609020204030204" pitchFamily="49" charset="0"/>
+                <a:cs typeface="Consolas" panose="020B0609020204030204" pitchFamily="49" charset="0"/>
+              </a:rPr>
+              <a:t>&gt; y &lt;- </a:t>
+            </a:r>
+            <a:r>
+              <a:rPr lang="en-US" dirty="0" err="1">
+                <a:latin typeface="Consolas" panose="020B0609020204030204" pitchFamily="49" charset="0"/>
+                <a:cs typeface="Consolas" panose="020B0609020204030204" pitchFamily="49" charset="0"/>
+              </a:rPr>
+              <a:t>as.integer</a:t>
+            </a:r>
+            <a:r>
+              <a:rPr lang="en-US" dirty="0">
+                <a:latin typeface="Consolas" panose="020B0609020204030204" pitchFamily="49" charset="0"/>
+                <a:cs typeface="Consolas" panose="020B0609020204030204" pitchFamily="49" charset="0"/>
+              </a:rPr>
+              <a:t>(x)</a:t>
+            </a:r>
+          </a:p>
+          <a:p>
+            <a:pPr marL="0" indent="0">
+              <a:buNone/>
+            </a:pPr>
+            <a:r>
+              <a:rPr lang="en-US" dirty="0">
+                <a:latin typeface="Consolas" panose="020B0609020204030204" pitchFamily="49" charset="0"/>
+                <a:cs typeface="Consolas" panose="020B0609020204030204" pitchFamily="49" charset="0"/>
+              </a:rPr>
+              <a:t>&gt; type(y)</a:t>
+            </a:r>
+          </a:p>
+          <a:p>
+            <a:pPr marL="0" indent="0">
+              <a:buNone/>
+            </a:pPr>
+            <a:r>
+              <a:rPr lang="en-US" dirty="0">
+                <a:latin typeface="Consolas" panose="020B0609020204030204" pitchFamily="49" charset="0"/>
+                <a:cs typeface="Consolas" panose="020B0609020204030204" pitchFamily="49" charset="0"/>
+              </a:rPr>
+              <a:t>&gt; type(y)</a:t>
+            </a:r>
+          </a:p>
+          <a:p>
+            <a:endParaRPr lang="en-US" dirty="0"/>
+          </a:p>
+        </p:txBody>
+      </p:sp>
+    </p:spTree>
+    <p:extLst>
+      <p:ext uri="{BB962C8B-B14F-4D97-AF65-F5344CB8AC3E}">
+        <p14:creationId xmlns:p14="http://schemas.microsoft.com/office/powerpoint/2010/main" val="1320218035"/>
+      </p:ext>
+    </p:extLst>
+  </p:cSld>
+  <p:clrMapOvr>
+    <a:masterClrMapping/>
+  </p:clrMapOvr>
+</p:sld>
+</file>
+
+<file path=ppt/slides/slide6.xml><?xml version="1.0" encoding="utf-8"?>
+<p:sld xmlns:a="http://schemas.openxmlformats.org/drawingml/2006/main" xmlns:r="http://schemas.openxmlformats.org/officeDocument/2006/relationships" xmlns:p="http://schemas.openxmlformats.org/presentationml/2006/main">
+  <p:cSld>
+    <p:spTree>
+      <p:nvGrpSpPr>
+        <p:cNvPr id="1" name=""/>
+        <p:cNvGrpSpPr/>
+        <p:nvPr/>
+      </p:nvGrpSpPr>
+      <p:grpSpPr>
+        <a:xfrm>
+          <a:off x="0" y="0"/>
+          <a:ext cx="0" cy="0"/>
+          <a:chOff x="0" y="0"/>
+          <a:chExt cx="0" cy="0"/>
+        </a:xfrm>
+      </p:grpSpPr>
+      <p:sp>
+        <p:nvSpPr>
+          <p:cNvPr id="2" name="Title 1">
+            <a:extLst>
+              <a:ext uri="{FF2B5EF4-FFF2-40B4-BE49-F238E27FC236}">
+                <a16:creationId xmlns:a16="http://schemas.microsoft.com/office/drawing/2014/main" id="{4605A266-36E3-CE4F-912F-242DD1021107}"/>
+              </a:ext>
+            </a:extLst>
+          </p:cNvPr>
+          <p:cNvSpPr>
+            <a:spLocks noGrp="1"/>
+          </p:cNvSpPr>
+          <p:nvPr>
+            <p:ph type="title"/>
+          </p:nvPr>
+        </p:nvSpPr>
+        <p:spPr/>
+        <p:txBody>
+          <a:bodyPr/>
+          <a:lstStyle/>
+          <a:p>
+            <a:r>
+              <a:rPr lang="en-US" dirty="0"/>
+              <a:t>Mixing data types</a:t>
+            </a:r>
+          </a:p>
+        </p:txBody>
+      </p:sp>
+      <p:sp>
+        <p:nvSpPr>
+          <p:cNvPr id="3" name="Content Placeholder 2">
+            <a:extLst>
+              <a:ext uri="{FF2B5EF4-FFF2-40B4-BE49-F238E27FC236}">
+                <a16:creationId xmlns:a16="http://schemas.microsoft.com/office/drawing/2014/main" id="{3A0FD770-2933-374D-B812-4A9F0EBEC4A6}"/>
+              </a:ext>
+            </a:extLst>
+          </p:cNvPr>
+          <p:cNvSpPr>
+            <a:spLocks noGrp="1"/>
+          </p:cNvSpPr>
+          <p:nvPr>
+            <p:ph idx="1"/>
+          </p:nvPr>
+        </p:nvSpPr>
+        <p:spPr/>
+        <p:txBody>
+          <a:bodyPr/>
+          <a:lstStyle/>
+          <a:p>
+            <a:r>
+              <a:rPr lang="en-US" dirty="0"/>
+              <a:t>Combining datatypes may lead to incompatibilities, errors, so be aware!</a:t>
+            </a:r>
+          </a:p>
+          <a:p>
+            <a:r>
+              <a:rPr lang="en-US" dirty="0"/>
+              <a:t>Converting a float or double to an integer will lose precision</a:t>
+            </a:r>
+          </a:p>
+          <a:p>
+            <a:pPr marL="457200" lvl="1" indent="0">
+              <a:buNone/>
+            </a:pPr>
+            <a:r>
+              <a:rPr lang="en-US" dirty="0">
+                <a:latin typeface="Consolas" panose="020B0609020204030204" pitchFamily="49" charset="0"/>
+                <a:cs typeface="Consolas" panose="020B0609020204030204" pitchFamily="49" charset="0"/>
+              </a:rPr>
+              <a:t>&gt; x &lt;- 1.234567890123456789</a:t>
+            </a:r>
+          </a:p>
+          <a:p>
+            <a:pPr marL="457200" lvl="1" indent="0">
+              <a:buNone/>
+            </a:pPr>
+            <a:r>
+              <a:rPr lang="en-US" dirty="0">
+                <a:latin typeface="Consolas" panose="020B0609020204030204" pitchFamily="49" charset="0"/>
+                <a:cs typeface="Consolas" panose="020B0609020204030204" pitchFamily="49" charset="0"/>
+              </a:rPr>
+              <a:t>&gt; y &lt;- </a:t>
+            </a:r>
+            <a:r>
+              <a:rPr lang="en-US" dirty="0" err="1">
+                <a:latin typeface="Consolas" panose="020B0609020204030204" pitchFamily="49" charset="0"/>
+                <a:cs typeface="Consolas" panose="020B0609020204030204" pitchFamily="49" charset="0"/>
+              </a:rPr>
+              <a:t>as.integer</a:t>
+            </a:r>
+            <a:r>
+              <a:rPr lang="en-US" dirty="0">
+                <a:latin typeface="Consolas" panose="020B0609020204030204" pitchFamily="49" charset="0"/>
+                <a:cs typeface="Consolas" panose="020B0609020204030204" pitchFamily="49" charset="0"/>
+              </a:rPr>
+              <a:t>(x)</a:t>
+            </a:r>
+          </a:p>
+          <a:p>
+            <a:pPr marL="457200" lvl="1" indent="0">
+              <a:buNone/>
+            </a:pPr>
+            <a:r>
+              <a:rPr lang="en-US" dirty="0">
+                <a:latin typeface="Consolas" panose="020B0609020204030204" pitchFamily="49" charset="0"/>
+                <a:cs typeface="Consolas" panose="020B0609020204030204" pitchFamily="49" charset="0"/>
+              </a:rPr>
+              <a:t>&gt; type(x)</a:t>
+            </a:r>
+          </a:p>
+          <a:p>
+            <a:pPr marL="457200" lvl="1" indent="0">
+              <a:buNone/>
+            </a:pPr>
+            <a:r>
+              <a:rPr lang="en-US" dirty="0">
+                <a:latin typeface="Consolas" panose="020B0609020204030204" pitchFamily="49" charset="0"/>
+                <a:cs typeface="Consolas" panose="020B0609020204030204" pitchFamily="49" charset="0"/>
+              </a:rPr>
+              <a:t>&gt; type(y)</a:t>
+            </a:r>
+          </a:p>
+          <a:p>
+            <a:pPr marL="457200" lvl="1" indent="0">
+              <a:buNone/>
+            </a:pPr>
+            <a:r>
+              <a:rPr lang="en-US" dirty="0">
+                <a:latin typeface="Consolas" panose="020B0609020204030204" pitchFamily="49" charset="0"/>
+                <a:cs typeface="Consolas" panose="020B0609020204030204" pitchFamily="49" charset="0"/>
+              </a:rPr>
+              <a:t>&gt; print(x)</a:t>
+            </a:r>
+          </a:p>
+          <a:p>
+            <a:pPr marL="457200" lvl="1" indent="0">
+              <a:buNone/>
+            </a:pPr>
+            <a:r>
+              <a:rPr lang="en-US" dirty="0">
+                <a:latin typeface="Consolas" panose="020B0609020204030204" pitchFamily="49" charset="0"/>
+                <a:cs typeface="Consolas" panose="020B0609020204030204" pitchFamily="49" charset="0"/>
+              </a:rPr>
+              <a:t>&gt; print(y)</a:t>
+            </a:r>
+          </a:p>
+        </p:txBody>
+      </p:sp>
+    </p:spTree>
+    <p:extLst>
+      <p:ext uri="{BB962C8B-B14F-4D97-AF65-F5344CB8AC3E}">
+        <p14:creationId xmlns:p14="http://schemas.microsoft.com/office/powerpoint/2010/main" val="2556384005"/>
+      </p:ext>
+    </p:extLst>
+  </p:cSld>
+  <p:clrMapOvr>
+    <a:masterClrMapping/>
+  </p:clrMapOvr>
+</p:sld>
+</file>
+
+<file path=ppt/slides/slide7.xml><?xml version="1.0" encoding="utf-8"?>
+<p:sld xmlns:a="http://schemas.openxmlformats.org/drawingml/2006/main" xmlns:r="http://schemas.openxmlformats.org/officeDocument/2006/relationships" xmlns:p="http://schemas.openxmlformats.org/presentationml/2006/main">
+  <p:cSld>
+    <p:spTree>
+      <p:nvGrpSpPr>
+        <p:cNvPr id="1" name=""/>
+        <p:cNvGrpSpPr/>
+        <p:nvPr/>
+      </p:nvGrpSpPr>
+      <p:grpSpPr>
+        <a:xfrm>
+          <a:off x="0" y="0"/>
+          <a:ext cx="0" cy="0"/>
+          <a:chOff x="0" y="0"/>
+          <a:chExt cx="0" cy="0"/>
+        </a:xfrm>
+      </p:grpSpPr>
+      <p:sp>
+        <p:nvSpPr>
+          <p:cNvPr id="2" name="Title 1">
+            <a:extLst>
+              <a:ext uri="{FF2B5EF4-FFF2-40B4-BE49-F238E27FC236}">
+                <a16:creationId xmlns:a16="http://schemas.microsoft.com/office/drawing/2014/main" id="{1CA5EC92-1B42-1C46-A9E5-3626219D428B}"/>
+              </a:ext>
+            </a:extLst>
+          </p:cNvPr>
+          <p:cNvSpPr>
+            <a:spLocks noGrp="1"/>
+          </p:cNvSpPr>
+          <p:nvPr>
+            <p:ph type="title"/>
+          </p:nvPr>
+        </p:nvSpPr>
+        <p:spPr/>
+        <p:txBody>
+          <a:bodyPr/>
+          <a:lstStyle/>
+          <a:p>
+            <a:r>
+              <a:rPr lang="en-US" dirty="0"/>
+              <a:t>Strings</a:t>
+            </a:r>
+          </a:p>
+        </p:txBody>
+      </p:sp>
+      <p:sp>
+        <p:nvSpPr>
+          <p:cNvPr id="3" name="Content Placeholder 2">
+            <a:extLst>
+              <a:ext uri="{FF2B5EF4-FFF2-40B4-BE49-F238E27FC236}">
+                <a16:creationId xmlns:a16="http://schemas.microsoft.com/office/drawing/2014/main" id="{6CFFFD8B-3E94-8C49-9320-224C805DDB20}"/>
+              </a:ext>
+            </a:extLst>
+          </p:cNvPr>
+          <p:cNvSpPr>
+            <a:spLocks noGrp="1"/>
+          </p:cNvSpPr>
+          <p:nvPr>
+            <p:ph idx="1"/>
+          </p:nvPr>
+        </p:nvSpPr>
+        <p:spPr/>
+        <p:txBody>
+          <a:bodyPr/>
+          <a:lstStyle/>
+          <a:p>
+            <a:r>
+              <a:rPr lang="en-US" dirty="0"/>
+              <a:t>Represents text instead of numbers </a:t>
+            </a:r>
+          </a:p>
+          <a:p>
+            <a:r>
+              <a:rPr lang="en-US" dirty="0"/>
+              <a:t>Generally indicated with quotes</a:t>
+            </a:r>
+          </a:p>
+          <a:p>
+            <a:r>
+              <a:rPr lang="en-US" dirty="0"/>
+              <a:t>Can force integers and floats/doubles to strings</a:t>
+            </a:r>
+          </a:p>
+          <a:p>
+            <a:pPr marL="0" indent="0">
+              <a:buNone/>
+            </a:pPr>
+            <a:r>
+              <a:rPr lang="en-US" dirty="0">
+                <a:latin typeface="Consolas" panose="020B0609020204030204" pitchFamily="49" charset="0"/>
+                <a:cs typeface="Consolas" panose="020B0609020204030204" pitchFamily="49" charset="0"/>
+              </a:rPr>
+              <a:t>&gt; x &lt;- “Hello world!”</a:t>
+            </a:r>
+          </a:p>
+          <a:p>
+            <a:pPr marL="0" indent="0">
+              <a:buNone/>
+            </a:pPr>
+            <a:r>
+              <a:rPr lang="en-US" dirty="0">
+                <a:latin typeface="Consolas" panose="020B0609020204030204" pitchFamily="49" charset="0"/>
+                <a:cs typeface="Consolas" panose="020B0609020204030204" pitchFamily="49" charset="0"/>
+              </a:rPr>
+              <a:t>&gt; print(x)</a:t>
+            </a:r>
+          </a:p>
+          <a:p>
+            <a:pPr marL="0" indent="0">
+              <a:buNone/>
+            </a:pPr>
+            <a:r>
+              <a:rPr lang="en-US" dirty="0">
+                <a:latin typeface="Consolas" panose="020B0609020204030204" pitchFamily="49" charset="0"/>
+                <a:cs typeface="Consolas" panose="020B0609020204030204" pitchFamily="49" charset="0"/>
+              </a:rPr>
+              <a:t>&gt; y &lt;- 1.23456789</a:t>
+            </a:r>
+          </a:p>
+          <a:p>
+            <a:pPr marL="0" indent="0">
+              <a:buNone/>
+            </a:pPr>
+            <a:r>
+              <a:rPr lang="en-US" dirty="0">
+                <a:latin typeface="Consolas" panose="020B0609020204030204" pitchFamily="49" charset="0"/>
+                <a:cs typeface="Consolas" panose="020B0609020204030204" pitchFamily="49" charset="0"/>
+              </a:rPr>
+              <a:t>&gt; </a:t>
+            </a:r>
+            <a:r>
+              <a:rPr lang="en-US" dirty="0" err="1">
+                <a:latin typeface="Consolas" panose="020B0609020204030204" pitchFamily="49" charset="0"/>
+                <a:cs typeface="Consolas" panose="020B0609020204030204" pitchFamily="49" charset="0"/>
+              </a:rPr>
+              <a:t>toString</a:t>
+            </a:r>
+            <a:r>
+              <a:rPr lang="en-US" dirty="0">
+                <a:latin typeface="Consolas" panose="020B0609020204030204" pitchFamily="49" charset="0"/>
+                <a:cs typeface="Consolas" panose="020B0609020204030204" pitchFamily="49" charset="0"/>
+              </a:rPr>
+              <a:t>(y)</a:t>
+            </a:r>
+          </a:p>
+          <a:p>
+            <a:pPr marL="0" indent="0">
+              <a:buNone/>
+            </a:pPr>
+            <a:r>
+              <a:rPr lang="en-US" dirty="0">
+                <a:latin typeface="Consolas" panose="020B0609020204030204" pitchFamily="49" charset="0"/>
+                <a:cs typeface="Consolas" panose="020B0609020204030204" pitchFamily="49" charset="0"/>
+              </a:rPr>
+              <a:t>&gt; paste(x, </a:t>
+            </a:r>
+            <a:r>
+              <a:rPr lang="en-US" dirty="0" err="1">
+                <a:latin typeface="Consolas" panose="020B0609020204030204" pitchFamily="49" charset="0"/>
+                <a:cs typeface="Consolas" panose="020B0609020204030204" pitchFamily="49" charset="0"/>
+              </a:rPr>
+              <a:t>toString</a:t>
+            </a:r>
+            <a:r>
+              <a:rPr lang="en-US" dirty="0">
+                <a:latin typeface="Consolas" panose="020B0609020204030204" pitchFamily="49" charset="0"/>
+                <a:cs typeface="Consolas" panose="020B0609020204030204" pitchFamily="49" charset="0"/>
+              </a:rPr>
+              <a:t>(y), </a:t>
+            </a:r>
+            <a:r>
+              <a:rPr lang="en-US" dirty="0" err="1">
+                <a:latin typeface="Consolas" panose="020B0609020204030204" pitchFamily="49" charset="0"/>
+                <a:cs typeface="Consolas" panose="020B0609020204030204" pitchFamily="49" charset="0"/>
+              </a:rPr>
+              <a:t>sep</a:t>
+            </a:r>
+            <a:r>
+              <a:rPr lang="en-US" dirty="0">
+                <a:latin typeface="Consolas" panose="020B0609020204030204" pitchFamily="49" charset="0"/>
+                <a:cs typeface="Consolas" panose="020B0609020204030204" pitchFamily="49" charset="0"/>
+              </a:rPr>
+              <a:t>="!!!")</a:t>
+            </a:r>
+          </a:p>
+        </p:txBody>
+      </p:sp>
+    </p:spTree>
+    <p:extLst>
+      <p:ext uri="{BB962C8B-B14F-4D97-AF65-F5344CB8AC3E}">
+        <p14:creationId xmlns:p14="http://schemas.microsoft.com/office/powerpoint/2010/main" val="1214855372"/>
+      </p:ext>
+    </p:extLst>
+  </p:cSld>
+  <p:clrMapOvr>
+    <a:masterClrMapping/>
+  </p:clrMapOvr>
+</p:sld>
+</file>
+
+<file path=ppt/slides/slide8.xml><?xml version="1.0" encoding="utf-8"?>
+<p:sld xmlns:a="http://schemas.openxmlformats.org/drawingml/2006/main" xmlns:r="http://schemas.openxmlformats.org/officeDocument/2006/relationships" xmlns:p="http://schemas.openxmlformats.org/presentationml/2006/main">
+  <p:cSld>
+    <p:spTree>
+      <p:nvGrpSpPr>
+        <p:cNvPr id="1" name=""/>
+        <p:cNvGrpSpPr/>
+        <p:nvPr/>
+      </p:nvGrpSpPr>
+      <p:grpSpPr>
+        <a:xfrm>
+          <a:off x="0" y="0"/>
+          <a:ext cx="0" cy="0"/>
+          <a:chOff x="0" y="0"/>
+          <a:chExt cx="0" cy="0"/>
+        </a:xfrm>
+      </p:grpSpPr>
+      <p:sp>
+        <p:nvSpPr>
+          <p:cNvPr id="2" name="Title 1">
+            <a:extLst>
+              <a:ext uri="{FF2B5EF4-FFF2-40B4-BE49-F238E27FC236}">
+                <a16:creationId xmlns:a16="http://schemas.microsoft.com/office/drawing/2014/main" id="{F5A40322-63FA-A74F-A3F7-9885FBDF184A}"/>
+              </a:ext>
+            </a:extLst>
+          </p:cNvPr>
+          <p:cNvSpPr>
+            <a:spLocks noGrp="1"/>
+          </p:cNvSpPr>
+          <p:nvPr>
+            <p:ph type="title"/>
+          </p:nvPr>
+        </p:nvSpPr>
+        <p:spPr/>
+        <p:txBody>
+          <a:bodyPr/>
+          <a:lstStyle/>
+          <a:p>
+            <a:r>
+              <a:rPr lang="en-US" dirty="0"/>
+              <a:t>Arrays</a:t>
+            </a:r>
+          </a:p>
+        </p:txBody>
+      </p:sp>
+      <p:sp>
+        <p:nvSpPr>
+          <p:cNvPr id="3" name="Content Placeholder 2">
+            <a:extLst>
+              <a:ext uri="{FF2B5EF4-FFF2-40B4-BE49-F238E27FC236}">
+                <a16:creationId xmlns:a16="http://schemas.microsoft.com/office/drawing/2014/main" id="{0B773E5B-2F50-8A40-A620-62CE6ED9AA53}"/>
+              </a:ext>
+            </a:extLst>
+          </p:cNvPr>
+          <p:cNvSpPr>
+            <a:spLocks noGrp="1"/>
+          </p:cNvSpPr>
+          <p:nvPr>
+            <p:ph idx="1"/>
+          </p:nvPr>
+        </p:nvSpPr>
+        <p:spPr/>
+        <p:txBody>
+          <a:bodyPr>
+            <a:normAutofit fontScale="77500" lnSpcReduction="20000"/>
+          </a:bodyPr>
+          <a:lstStyle/>
+          <a:p>
+            <a:r>
+              <a:rPr lang="en-US" dirty="0"/>
+              <a:t>A sequential, ordered list of values</a:t>
+            </a:r>
+          </a:p>
+          <a:p>
+            <a:pPr marL="0" indent="0">
+              <a:buNone/>
+            </a:pPr>
+            <a:r>
+              <a:rPr lang="en-US" dirty="0">
+                <a:latin typeface="Consolas" panose="020B0609020204030204" pitchFamily="49" charset="0"/>
+                <a:cs typeface="Consolas" panose="020B0609020204030204" pitchFamily="49" charset="0"/>
+              </a:rPr>
+              <a:t>&gt; x &lt;- c(1, 2, 3)</a:t>
+            </a:r>
+          </a:p>
+          <a:p>
+            <a:pPr marL="0" indent="0">
+              <a:buNone/>
+            </a:pPr>
+            <a:r>
+              <a:rPr lang="en-US" dirty="0">
+                <a:latin typeface="Consolas" panose="020B0609020204030204" pitchFamily="49" charset="0"/>
+                <a:cs typeface="Consolas" panose="020B0609020204030204" pitchFamily="49" charset="0"/>
+              </a:rPr>
+              <a:t>&gt; y &lt;- c(“a”, “b”, “c”)</a:t>
+            </a:r>
+          </a:p>
+          <a:p>
+            <a:pPr marL="0" indent="0">
+              <a:buNone/>
+            </a:pPr>
+            <a:r>
+              <a:rPr lang="en-US" dirty="0">
+                <a:latin typeface="Consolas" panose="020B0609020204030204" pitchFamily="49" charset="0"/>
+                <a:cs typeface="Consolas" panose="020B0609020204030204" pitchFamily="49" charset="0"/>
+              </a:rPr>
+              <a:t>&gt; z &lt;- c(1, 2, 3, “d”, “e”)</a:t>
+            </a:r>
+          </a:p>
+          <a:p>
+            <a:pPr lvl="1"/>
+            <a:r>
+              <a:rPr lang="en-US" dirty="0"/>
+              <a:t>Notice this converts your integers to strings</a:t>
+            </a:r>
+          </a:p>
+          <a:p>
+            <a:pPr marL="457200" lvl="1" indent="0">
+              <a:buNone/>
+            </a:pPr>
+            <a:endParaRPr lang="en-US" dirty="0"/>
+          </a:p>
+          <a:p>
+            <a:r>
+              <a:rPr lang="en-US" dirty="0"/>
+              <a:t>What happens when we try this?</a:t>
+            </a:r>
+          </a:p>
+          <a:p>
+            <a:pPr marL="0" indent="0">
+              <a:buNone/>
+            </a:pPr>
+            <a:r>
+              <a:rPr lang="en-US" dirty="0">
+                <a:latin typeface="Consolas" panose="020B0609020204030204" pitchFamily="49" charset="0"/>
+                <a:cs typeface="Consolas" panose="020B0609020204030204" pitchFamily="49" charset="0"/>
+              </a:rPr>
+              <a:t>&gt; </a:t>
+            </a:r>
+            <a:r>
+              <a:rPr lang="en-US" dirty="0" err="1">
+                <a:latin typeface="Consolas" panose="020B0609020204030204" pitchFamily="49" charset="0"/>
+                <a:cs typeface="Consolas" panose="020B0609020204030204" pitchFamily="49" charset="0"/>
+              </a:rPr>
+              <a:t>zz</a:t>
+            </a:r>
+            <a:r>
+              <a:rPr lang="en-US" dirty="0">
+                <a:latin typeface="Consolas" panose="020B0609020204030204" pitchFamily="49" charset="0"/>
+                <a:cs typeface="Consolas" panose="020B0609020204030204" pitchFamily="49" charset="0"/>
+              </a:rPr>
+              <a:t> &lt;- array(c(x, y),dim = c(3,2))</a:t>
+            </a:r>
+          </a:p>
+          <a:p>
+            <a:pPr marL="0" indent="0">
+              <a:buNone/>
+            </a:pPr>
+            <a:endParaRPr lang="en-US" dirty="0">
+              <a:latin typeface="Consolas" panose="020B0609020204030204" pitchFamily="49" charset="0"/>
+              <a:cs typeface="Consolas" panose="020B0609020204030204" pitchFamily="49" charset="0"/>
+            </a:endParaRPr>
+          </a:p>
+          <a:p>
+            <a:r>
+              <a:rPr lang="en-US" dirty="0">
+                <a:cs typeface="Consolas" panose="020B0609020204030204" pitchFamily="49" charset="0"/>
+              </a:rPr>
+              <a:t>Access something from an array</a:t>
+            </a:r>
+          </a:p>
+          <a:p>
+            <a:r>
+              <a:rPr lang="en-US" dirty="0">
+                <a:cs typeface="Consolas" panose="020B0609020204030204" pitchFamily="49" charset="0"/>
+              </a:rPr>
+              <a:t>What does this do?</a:t>
+            </a:r>
+          </a:p>
+          <a:p>
+            <a:pPr marL="0" indent="0">
+              <a:buNone/>
+            </a:pPr>
+            <a:r>
+              <a:rPr lang="en-US" dirty="0">
+                <a:latin typeface="Consolas" panose="020B0609020204030204" pitchFamily="49" charset="0"/>
+                <a:cs typeface="Consolas" panose="020B0609020204030204" pitchFamily="49" charset="0"/>
+              </a:rPr>
+              <a:t>&gt; </a:t>
+            </a:r>
+            <a:r>
+              <a:rPr lang="en-US" dirty="0" err="1">
+                <a:latin typeface="Consolas" panose="020B0609020204030204" pitchFamily="49" charset="0"/>
+                <a:cs typeface="Consolas" panose="020B0609020204030204" pitchFamily="49" charset="0"/>
+              </a:rPr>
+              <a:t>zz</a:t>
+            </a:r>
+            <a:r>
+              <a:rPr lang="en-US" dirty="0">
+                <a:latin typeface="Consolas" panose="020B0609020204030204" pitchFamily="49" charset="0"/>
+                <a:cs typeface="Consolas" panose="020B0609020204030204" pitchFamily="49" charset="0"/>
+              </a:rPr>
+              <a:t>[2,1]</a:t>
+            </a:r>
+          </a:p>
+        </p:txBody>
+      </p:sp>
+    </p:spTree>
+    <p:extLst>
+      <p:ext uri="{BB962C8B-B14F-4D97-AF65-F5344CB8AC3E}">
+        <p14:creationId xmlns:p14="http://schemas.microsoft.com/office/powerpoint/2010/main" val="2601699602"/>
+      </p:ext>
+    </p:extLst>
+  </p:cSld>
+  <p:clrMapOvr>
+    <a:masterClrMapping/>
+  </p:clrMapOvr>
+</p:sld>
+</file>
+
+<file path=ppt/slides/slide9.xml><?xml version="1.0" encoding="utf-8"?>
+<p:sld xmlns:a="http://schemas.openxmlformats.org/drawingml/2006/main" xmlns:r="http://schemas.openxmlformats.org/officeDocument/2006/relationships" xmlns:p="http://schemas.openxmlformats.org/presentationml/2006/main">
+  <p:cSld>
+    <p:spTree>
+      <p:nvGrpSpPr>
+        <p:cNvPr id="1" name=""/>
+        <p:cNvGrpSpPr/>
+        <p:nvPr/>
+      </p:nvGrpSpPr>
+      <p:grpSpPr>
+        <a:xfrm>
+          <a:off x="0" y="0"/>
+          <a:ext cx="0" cy="0"/>
+          <a:chOff x="0" y="0"/>
+          <a:chExt cx="0" cy="0"/>
+        </a:xfrm>
+      </p:grpSpPr>
+      <p:sp>
+        <p:nvSpPr>
+          <p:cNvPr id="2" name="Title 1">
+            <a:extLst>
+              <a:ext uri="{FF2B5EF4-FFF2-40B4-BE49-F238E27FC236}">
+                <a16:creationId xmlns:a16="http://schemas.microsoft.com/office/drawing/2014/main" id="{AE27443F-8407-5040-B831-1FF6D4F4AC6E}"/>
+              </a:ext>
+            </a:extLst>
+          </p:cNvPr>
+          <p:cNvSpPr>
+            <a:spLocks noGrp="1"/>
+          </p:cNvSpPr>
+          <p:nvPr>
+            <p:ph type="title"/>
+          </p:nvPr>
+        </p:nvSpPr>
+        <p:spPr/>
+        <p:txBody>
+          <a:bodyPr/>
+          <a:lstStyle/>
+          <a:p>
+            <a:r>
+              <a:rPr lang="en-US" dirty="0"/>
+              <a:t>Sets</a:t>
+            </a:r>
+          </a:p>
+        </p:txBody>
+      </p:sp>
+      <p:sp>
+        <p:nvSpPr>
+          <p:cNvPr id="3" name="Content Placeholder 2">
+            <a:extLst>
+              <a:ext uri="{FF2B5EF4-FFF2-40B4-BE49-F238E27FC236}">
+                <a16:creationId xmlns:a16="http://schemas.microsoft.com/office/drawing/2014/main" id="{50604780-DF34-FB49-8D12-3719B4551C73}"/>
+              </a:ext>
+            </a:extLst>
+          </p:cNvPr>
+          <p:cNvSpPr>
+            <a:spLocks noGrp="1"/>
+          </p:cNvSpPr>
+          <p:nvPr>
+            <p:ph idx="1"/>
+          </p:nvPr>
+        </p:nvSpPr>
+        <p:spPr/>
+        <p:txBody>
+          <a:bodyPr/>
+          <a:lstStyle/>
+          <a:p>
+            <a:pPr marL="0" indent="0">
+              <a:buNone/>
+            </a:pPr>
+            <a:r>
+              <a:rPr lang="en-US" dirty="0"/>
+              <a:t>Try this:</a:t>
+            </a:r>
+          </a:p>
+          <a:p>
+            <a:pPr marL="0" indent="0">
+              <a:buNone/>
+            </a:pPr>
+            <a:r>
+              <a:rPr lang="en-US" dirty="0">
+                <a:latin typeface="Consolas" panose="020B0609020204030204" pitchFamily="49" charset="0"/>
+                <a:cs typeface="Consolas" panose="020B0609020204030204" pitchFamily="49" charset="0"/>
+              </a:rPr>
+              <a:t>&gt; v &lt;- c(1,1,2,3,4,4,5,6)</a:t>
+            </a:r>
+          </a:p>
+          <a:p>
+            <a:pPr marL="0" indent="0">
+              <a:buNone/>
+            </a:pPr>
+            <a:r>
+              <a:rPr lang="en-US" dirty="0">
+                <a:latin typeface="Consolas" panose="020B0609020204030204" pitchFamily="49" charset="0"/>
+                <a:cs typeface="Consolas" panose="020B0609020204030204" pitchFamily="49" charset="0"/>
+              </a:rPr>
+              <a:t>&gt; unique(v)</a:t>
+            </a:r>
+          </a:p>
+          <a:p>
+            <a:pPr>
+              <a:buFont typeface="Wingdings" pitchFamily="2" charset="2"/>
+              <a:buChar char="Ø"/>
+            </a:pPr>
+            <a:endParaRPr lang="en-US" dirty="0"/>
+          </a:p>
+          <a:p>
+            <a:pPr marL="0" indent="0">
+              <a:buNone/>
+            </a:pPr>
+            <a:r>
+              <a:rPr lang="en-US" dirty="0"/>
+              <a:t>Why does this happen? Let’s talk about another similar data type</a:t>
+            </a:r>
+          </a:p>
+        </p:txBody>
+      </p:sp>
+    </p:spTree>
+    <p:extLst>
+      <p:ext uri="{BB962C8B-B14F-4D97-AF65-F5344CB8AC3E}">
+        <p14:creationId xmlns:p14="http://schemas.microsoft.com/office/powerpoint/2010/main" val="397001672"/>
       </p:ext>
     </p:extLst>
   </p:cSld>
